--- a/GrandFinale.pptx
+++ b/GrandFinale.pptx
@@ -22,7 +22,7 @@
     <p:sldId id="271" r:id="rId13"/>
     <p:sldId id="280" r:id="rId14"/>
     <p:sldId id="276" r:id="rId15"/>
-    <p:sldId id="282" r:id="rId16"/>
+    <p:sldId id="283" r:id="rId16"/>
     <p:sldId id="281" r:id="rId17"/>
   </p:sldIdLst>
   <p:sldSz cx="12192000" cy="6858000"/>
@@ -1341,7 +1341,7 @@
           <a:bodyPr/>
           <a:lstStyle/>
           <a:p>
-            <a:fld id="{48A87A34-81AB-432B-8DAE-1953F412C126}" type="datetimeFigureOut">
+            <a:fld id="{A50102C3-0ACF-4586-9299-BA5FBA387EC9}" type="datetime1">
               <a:rPr lang="en-US" smtClean="0"/>
               <a:t>11/29/2021</a:t>
             </a:fld>
@@ -1549,7 +1549,7 @@
           <a:bodyPr/>
           <a:lstStyle/>
           <a:p>
-            <a:fld id="{48A87A34-81AB-432B-8DAE-1953F412C126}" type="datetimeFigureOut">
+            <a:fld id="{80A576E7-32ED-4142-88BA-631DE7068928}" type="datetime1">
               <a:rPr lang="en-US" smtClean="0"/>
               <a:t>11/29/2021</a:t>
             </a:fld>
@@ -1805,7 +1805,7 @@
           <a:bodyPr/>
           <a:lstStyle/>
           <a:p>
-            <a:fld id="{48A87A34-81AB-432B-8DAE-1953F412C126}" type="datetimeFigureOut">
+            <a:fld id="{A8DD9661-E819-4932-ABFA-3312F6AF4890}" type="datetime1">
               <a:rPr lang="en-US" smtClean="0"/>
               <a:t>11/29/2021</a:t>
             </a:fld>
@@ -1975,7 +1975,7 @@
           <a:bodyPr/>
           <a:lstStyle/>
           <a:p>
-            <a:fld id="{48A87A34-81AB-432B-8DAE-1953F412C126}" type="datetimeFigureOut">
+            <a:fld id="{14148A5B-55A6-4E38-AFD2-29681AB29EE5}" type="datetime1">
               <a:rPr lang="en-US" smtClean="0"/>
               <a:t>11/29/2021</a:t>
             </a:fld>
@@ -2318,7 +2318,7 @@
           <a:bodyPr/>
           <a:lstStyle/>
           <a:p>
-            <a:fld id="{48A87A34-81AB-432B-8DAE-1953F412C126}" type="datetimeFigureOut">
+            <a:fld id="{C019DC11-ACC8-4100-B6D6-5F9F62746E55}" type="datetime1">
               <a:rPr lang="en-US" smtClean="0"/>
               <a:t>11/29/2021</a:t>
             </a:fld>
@@ -2593,7 +2593,7 @@
           <a:bodyPr/>
           <a:lstStyle/>
           <a:p>
-            <a:fld id="{48A87A34-81AB-432B-8DAE-1953F412C126}" type="datetimeFigureOut">
+            <a:fld id="{99BFBEAF-6413-4AE7-B8C9-569CDFB8FD46}" type="datetime1">
               <a:rPr lang="en-US" smtClean="0"/>
               <a:t>11/29/2021</a:t>
             </a:fld>
@@ -2972,7 +2972,7 @@
           <a:bodyPr/>
           <a:lstStyle/>
           <a:p>
-            <a:fld id="{48A87A34-81AB-432B-8DAE-1953F412C126}" type="datetimeFigureOut">
+            <a:fld id="{7B90014E-65EC-4EF5-B73A-FD7809D22A25}" type="datetime1">
               <a:rPr lang="en-US" smtClean="0"/>
               <a:t>11/29/2021</a:t>
             </a:fld>
@@ -3090,7 +3090,7 @@
           <a:bodyPr/>
           <a:lstStyle/>
           <a:p>
-            <a:fld id="{48A87A34-81AB-432B-8DAE-1953F412C126}" type="datetimeFigureOut">
+            <a:fld id="{A55B23F2-A3CB-430D-AAC5-8BC1CAB0DA7A}" type="datetime1">
               <a:rPr lang="en-US" smtClean="0"/>
               <a:t>11/29/2021</a:t>
             </a:fld>
@@ -3261,7 +3261,7 @@
           <a:bodyPr/>
           <a:lstStyle/>
           <a:p>
-            <a:fld id="{48A87A34-81AB-432B-8DAE-1953F412C126}" type="datetimeFigureOut">
+            <a:fld id="{1214FEC0-82C6-4B0F-B01C-B63D85CDDE08}" type="datetime1">
               <a:rPr lang="en-US" smtClean="0"/>
               <a:t>11/29/2021</a:t>
             </a:fld>
@@ -3615,7 +3615,7 @@
             </a:lvl1pPr>
           </a:lstStyle>
           <a:p>
-            <a:fld id="{48A87A34-81AB-432B-8DAE-1953F412C126}" type="datetimeFigureOut">
+            <a:fld id="{1773A730-02BF-452E-81D2-2F14F984DD4E}" type="datetime1">
               <a:rPr lang="en-US" smtClean="0"/>
               <a:t>11/29/2021</a:t>
             </a:fld>
@@ -3992,7 +3992,7 @@
           <a:bodyPr/>
           <a:lstStyle/>
           <a:p>
-            <a:fld id="{48A87A34-81AB-432B-8DAE-1953F412C126}" type="datetimeFigureOut">
+            <a:fld id="{F53C5C61-C01F-4240-A551-6D31467AA6E3}" type="datetime1">
               <a:rPr lang="en-US" smtClean="0"/>
               <a:t>11/29/2021</a:t>
             </a:fld>
@@ -4279,9 +4279,8 @@
             </a:lvl1pPr>
           </a:lstStyle>
           <a:p>
-            <a:fld id="{48A87A34-81AB-432B-8DAE-1953F412C126}" type="datetimeFigureOut">
+            <a:fld id="{0043DE8B-5129-4421-A1ED-E86461DFA921}" type="datetime1">
               <a:rPr lang="en-US" smtClean="0"/>
-              <a:pPr/>
               <a:t>11/29/2021</a:t>
             </a:fld>
             <a:endParaRPr lang="en-US" dirty="0"/>
@@ -4422,6 +4421,7 @@
     <p:sldLayoutId id="2147483733" r:id="rId10"/>
     <p:sldLayoutId id="2147483734" r:id="rId11"/>
   </p:sldLayoutIdLst>
+  <p:hf hdr="0" ftr="0" dt="0"/>
   <p:txStyles>
     <p:titleStyle>
       <a:lvl1pPr algn="l" defTabSz="914400" rtl="0" eaLnBrk="1" latinLnBrk="0" hangingPunct="1">
@@ -5300,6 +5300,35 @@
           </a:prstGeom>
         </p:spPr>
       </p:pic>
+      <p:sp>
+        <p:nvSpPr>
+          <p:cNvPr id="3" name="Slide Number Placeholder 2">
+            <a:extLst>
+              <a:ext uri="{FF2B5EF4-FFF2-40B4-BE49-F238E27FC236}">
+                <a16:creationId xmlns:a16="http://schemas.microsoft.com/office/drawing/2014/main" id="{D1CDE4AE-4707-458B-9D45-1C57A5C1C487}"/>
+              </a:ext>
+            </a:extLst>
+          </p:cNvPr>
+          <p:cNvSpPr>
+            <a:spLocks noGrp="1"/>
+          </p:cNvSpPr>
+          <p:nvPr>
+            <p:ph type="sldNum" sz="quarter" idx="12"/>
+          </p:nvPr>
+        </p:nvSpPr>
+        <p:spPr/>
+        <p:txBody>
+          <a:bodyPr/>
+          <a:lstStyle/>
+          <a:p>
+            <a:fld id="{6D22F896-40B5-4ADD-8801-0D06FADFA095}" type="slidenum">
+              <a:rPr lang="en-US" smtClean="0"/>
+              <a:t>1</a:t>
+            </a:fld>
+            <a:endParaRPr lang="en-US" dirty="0"/>
+          </a:p>
+        </p:txBody>
+      </p:sp>
     </p:spTree>
     <p:extLst>
       <p:ext uri="{BB962C8B-B14F-4D97-AF65-F5344CB8AC3E}">
@@ -5357,7 +5386,7 @@
             </a:r>
             <a:r>
               <a:rPr lang="en-US" dirty="0"/>
-              <a:t>++</a:t>
+              <a:t> Variations</a:t>
             </a:r>
           </a:p>
         </p:txBody>
@@ -5377,7 +5406,7 @@
         <p:spPr>
           <a:xfrm>
             <a:off x="1097279" y="1919287"/>
-            <a:ext cx="10058399" cy="3139321"/>
+            <a:ext cx="10058399" cy="3970318"/>
           </a:xfrm>
           <a:prstGeom prst="rect">
             <a:avLst/>
@@ -5511,8 +5540,44 @@
             </a:pPr>
             <a:r>
               <a:rPr lang="en-US" dirty="0"/>
-              <a:t>We have ongoing research on these methods and here we present out best result so far. </a:t>
-            </a:r>
+              <a:t>The best results we had so far: </a:t>
+            </a:r>
+            <a:r>
+              <a:rPr lang="en-US" b="1" dirty="0">
+                <a:solidFill>
+                  <a:srgbClr val="FF0000"/>
+                </a:solidFill>
+              </a:rPr>
+              <a:t>Unstructured Pruning</a:t>
+            </a:r>
+          </a:p>
+          <a:p>
+            <a:pPr marL="285750" indent="-285750">
+              <a:buFont typeface="Wingdings" panose="05000000000000000000" pitchFamily="2" charset="2"/>
+              <a:buChar char="Ø"/>
+            </a:pPr>
+            <a:endParaRPr lang="en-US" dirty="0">
+              <a:solidFill>
+                <a:srgbClr val="FF0000"/>
+              </a:solidFill>
+            </a:endParaRPr>
+          </a:p>
+          <a:p>
+            <a:pPr marL="285750" indent="-285750">
+              <a:buFont typeface="Wingdings" panose="05000000000000000000" pitchFamily="2" charset="2"/>
+              <a:buChar char="Ø"/>
+            </a:pPr>
+            <a:r>
+              <a:rPr lang="en-US" dirty="0"/>
+              <a:t>Finalizing our paper for submission</a:t>
+            </a:r>
+          </a:p>
+          <a:p>
+            <a:endParaRPr lang="en-US" b="1" dirty="0">
+              <a:solidFill>
+                <a:srgbClr val="FF0000"/>
+              </a:solidFill>
+            </a:endParaRPr>
           </a:p>
         </p:txBody>
       </p:sp>
@@ -5563,6 +5628,35 @@
           </a:extLst>
         </p:spPr>
       </p:pic>
+      <p:sp>
+        <p:nvSpPr>
+          <p:cNvPr id="9" name="Slide Number Placeholder 8">
+            <a:extLst>
+              <a:ext uri="{FF2B5EF4-FFF2-40B4-BE49-F238E27FC236}">
+                <a16:creationId xmlns:a16="http://schemas.microsoft.com/office/drawing/2014/main" id="{E07377C2-A878-45D2-93D4-36D77FA526E9}"/>
+              </a:ext>
+            </a:extLst>
+          </p:cNvPr>
+          <p:cNvSpPr>
+            <a:spLocks noGrp="1"/>
+          </p:cNvSpPr>
+          <p:nvPr>
+            <p:ph type="sldNum" sz="quarter" idx="12"/>
+          </p:nvPr>
+        </p:nvSpPr>
+        <p:spPr/>
+        <p:txBody>
+          <a:bodyPr/>
+          <a:lstStyle/>
+          <a:p>
+            <a:fld id="{6D22F896-40B5-4ADD-8801-0D06FADFA095}" type="slidenum">
+              <a:rPr lang="en-US" smtClean="0"/>
+              <a:t>10</a:t>
+            </a:fld>
+            <a:endParaRPr lang="en-US" dirty="0"/>
+          </a:p>
+        </p:txBody>
+      </p:sp>
     </p:spTree>
     <p:extLst>
       <p:ext uri="{BB962C8B-B14F-4D97-AF65-F5344CB8AC3E}">
@@ -5616,41 +5710,11 @@
           <a:p>
             <a:r>
               <a:rPr lang="en-US" dirty="0"/>
-              <a:t>Results</a:t>
-            </a:r>
-          </a:p>
-        </p:txBody>
-      </p:sp>
-      <p:pic>
-        <p:nvPicPr>
-          <p:cNvPr id="9" name="Picture 8">
-            <a:extLst>
-              <a:ext uri="{FF2B5EF4-FFF2-40B4-BE49-F238E27FC236}">
-                <a16:creationId xmlns:a16="http://schemas.microsoft.com/office/drawing/2014/main" id="{044BF716-8929-4D1F-9350-7638E06379BC}"/>
-              </a:ext>
-            </a:extLst>
-          </p:cNvPr>
-          <p:cNvPicPr>
-            <a:picLocks noChangeAspect="1"/>
-          </p:cNvPicPr>
-          <p:nvPr/>
-        </p:nvPicPr>
-        <p:blipFill>
-          <a:blip r:embed="rId2"/>
-          <a:stretch>
-            <a:fillRect/>
-          </a:stretch>
-        </p:blipFill>
-        <p:spPr>
-          <a:xfrm>
-            <a:off x="4823719" y="2342507"/>
-            <a:ext cx="6331962" cy="3298005"/>
-          </a:xfrm>
-          <a:prstGeom prst="rect">
-            <a:avLst/>
-          </a:prstGeom>
-        </p:spPr>
-      </p:pic>
+              <a:t>Results: Initial Round</a:t>
+            </a:r>
+          </a:p>
+        </p:txBody>
+      </p:sp>
       <p:sp>
         <p:nvSpPr>
           <p:cNvPr id="12" name="TextBox 11">
@@ -5666,7 +5730,7 @@
         <p:spPr>
           <a:xfrm>
             <a:off x="387849" y="2342507"/>
-            <a:ext cx="6097712" cy="923330"/>
+            <a:ext cx="6097712" cy="2862322"/>
           </a:xfrm>
           <a:prstGeom prst="rect">
             <a:avLst/>
@@ -5685,32 +5749,225 @@
             </a:pPr>
             <a:r>
               <a:rPr lang="en-US" dirty="0"/>
+              <a:t>Baseline for inference cost: VGG network</a:t>
+            </a:r>
+          </a:p>
+          <a:p>
+            <a:pPr lvl="1">
+              <a:buFont typeface="Wingdings" panose="05000000000000000000" pitchFamily="2" charset="2"/>
+              <a:buChar char="Ø"/>
+            </a:pPr>
+            <a:r>
+              <a:rPr lang="en-US" dirty="0"/>
+              <a:t> Inference cost = </a:t>
+            </a:r>
+            <a:r>
+              <a:rPr lang="en-US" b="1" dirty="0">
+                <a:solidFill>
+                  <a:srgbClr val="FF0000"/>
+                </a:solidFill>
+              </a:rPr>
+              <a:t>1</a:t>
+            </a:r>
+          </a:p>
+          <a:p>
+            <a:pPr lvl="1">
+              <a:buFont typeface="Wingdings" panose="05000000000000000000" pitchFamily="2" charset="2"/>
+              <a:buChar char="Ø"/>
+            </a:pPr>
+            <a:r>
+              <a:rPr lang="en-US" dirty="0"/>
+              <a:t> Accuracy = </a:t>
+            </a:r>
+            <a:r>
+              <a:rPr lang="en-US" b="1" dirty="0">
+                <a:solidFill>
+                  <a:srgbClr val="FF0000"/>
+                </a:solidFill>
+              </a:rPr>
+              <a:t>59.46%</a:t>
+            </a:r>
+          </a:p>
+          <a:p>
+            <a:pPr>
+              <a:buFont typeface="Wingdings" panose="05000000000000000000" pitchFamily="2" charset="2"/>
+              <a:buChar char="Ø"/>
+            </a:pPr>
+            <a:endParaRPr lang="en-US" dirty="0"/>
+          </a:p>
+          <a:p>
+            <a:pPr>
+              <a:buFont typeface="Wingdings" panose="05000000000000000000" pitchFamily="2" charset="2"/>
+              <a:buChar char="Ø"/>
+            </a:pPr>
+            <a:endParaRPr lang="en-US" dirty="0"/>
+          </a:p>
+          <a:p>
+            <a:pPr>
+              <a:buFont typeface="Wingdings" panose="05000000000000000000" pitchFamily="2" charset="2"/>
+              <a:buChar char="Ø"/>
+            </a:pPr>
+            <a:endParaRPr lang="en-US" dirty="0"/>
+          </a:p>
+          <a:p>
+            <a:pPr>
+              <a:buFont typeface="Wingdings" panose="05000000000000000000" pitchFamily="2" charset="2"/>
+              <a:buChar char="Ø"/>
+            </a:pPr>
+            <a:r>
+              <a:rPr lang="en-US" dirty="0"/>
+              <a:t>Unstructured Pruning of </a:t>
+            </a:r>
+            <a:r>
+              <a:rPr lang="en-US" dirty="0" err="1"/>
+              <a:t>MobileNet</a:t>
+            </a:r>
+            <a:r>
+              <a:rPr lang="en-US" dirty="0"/>
+              <a:t> (initial round)</a:t>
+            </a:r>
+          </a:p>
+          <a:p>
+            <a:pPr lvl="1">
+              <a:buFont typeface="Wingdings" panose="05000000000000000000" pitchFamily="2" charset="2"/>
+              <a:buChar char="Ø"/>
+            </a:pPr>
+            <a:r>
+              <a:rPr lang="en-US" dirty="0"/>
+              <a:t> Using </a:t>
+            </a:r>
+            <a:r>
+              <a:rPr lang="en-US" b="1" dirty="0"/>
+              <a:t>P100 GPU </a:t>
+            </a:r>
+            <a:r>
+              <a:rPr lang="en-US" dirty="0"/>
+              <a:t>on Kaggle</a:t>
+            </a:r>
+          </a:p>
+          <a:p>
+            <a:pPr lvl="1">
+              <a:buFont typeface="Wingdings" panose="05000000000000000000" pitchFamily="2" charset="2"/>
+              <a:buChar char="Ø"/>
+            </a:pPr>
+            <a:r>
+              <a:rPr lang="en-US" dirty="0"/>
+              <a:t> Accuracy = </a:t>
+            </a:r>
+            <a:r>
+              <a:rPr lang="en-US" b="1" dirty="0">
+                <a:solidFill>
+                  <a:srgbClr val="FF0000"/>
+                </a:solidFill>
+              </a:rPr>
+              <a:t>56.15%</a:t>
+            </a:r>
+          </a:p>
+          <a:p>
+            <a:pPr lvl="1">
+              <a:buFont typeface="Wingdings" panose="05000000000000000000" pitchFamily="2" charset="2"/>
+              <a:buChar char="Ø"/>
+            </a:pPr>
+            <a:r>
+              <a:rPr lang="en-US" dirty="0"/>
               <a:t> </a:t>
             </a:r>
             <a:r>
+              <a:rPr lang="en-US" b="1" dirty="0">
+                <a:solidFill>
+                  <a:srgbClr val="FF0000"/>
+                </a:solidFill>
+              </a:rPr>
+              <a:t>21x</a:t>
+            </a:r>
+            <a:r>
+              <a:rPr lang="en-US" dirty="0"/>
+              <a:t> inference cost (</a:t>
+            </a:r>
+            <a:r>
               <a:rPr lang="en-US" b="1" dirty="0"/>
-              <a:t>24x smaller </a:t>
-            </a:r>
-            <a:r>
-              <a:rPr lang="en-US" dirty="0"/>
-              <a:t>inference cost vs. baseline (VGG)</a:t>
-            </a:r>
-          </a:p>
-          <a:p>
-            <a:pPr marL="201168" lvl="1" indent="0">
-              <a:buNone/>
-            </a:pPr>
-            <a:endParaRPr lang="en-US" dirty="0"/>
-          </a:p>
-          <a:p>
-            <a:pPr>
-              <a:buFont typeface="Wingdings" panose="05000000000000000000" pitchFamily="2" charset="2"/>
-              <a:buChar char="Ø"/>
-            </a:pPr>
-            <a:r>
-              <a:rPr lang="en-US" dirty="0"/>
-              <a:t> Higher Accuracy (60.07% vs. 59.46%)</a:t>
-            </a:r>
+              <a:t>0.046</a:t>
+            </a:r>
+            <a:r>
+              <a:rPr lang="en-US" dirty="0"/>
+              <a:t>)</a:t>
+            </a:r>
+          </a:p>
+        </p:txBody>
+      </p:sp>
+      <p:pic>
+        <p:nvPicPr>
+          <p:cNvPr id="5122" name="Picture 2" descr="MobileNet Convolutional neural network Machine Learning Algorithms |  Analytics Vidhya">
+            <a:extLst>
+              <a:ext uri="{FF2B5EF4-FFF2-40B4-BE49-F238E27FC236}">
+                <a16:creationId xmlns:a16="http://schemas.microsoft.com/office/drawing/2014/main" id="{4770EE78-3881-47D3-827F-F2EE8F3C34AB}"/>
+              </a:ext>
+            </a:extLst>
+          </p:cNvPr>
+          <p:cNvPicPr>
+            <a:picLocks noChangeAspect="1" noChangeArrowheads="1"/>
+          </p:cNvPicPr>
+          <p:nvPr/>
+        </p:nvPicPr>
+        <p:blipFill>
+          <a:blip r:embed="rId2">
+            <a:extLst>
+              <a:ext uri="{28A0092B-C50C-407E-A947-70E740481C1C}">
+                <a14:useLocalDpi xmlns:a14="http://schemas.microsoft.com/office/drawing/2010/main" val="0"/>
+              </a:ext>
+            </a:extLst>
+          </a:blip>
+          <a:srcRect/>
+          <a:stretch>
+            <a:fillRect/>
+          </a:stretch>
+        </p:blipFill>
+        <p:spPr bwMode="auto">
+          <a:xfrm>
+            <a:off x="5408060" y="2472691"/>
+            <a:ext cx="6591300" cy="2647950"/>
+          </a:xfrm>
+          <a:prstGeom prst="rect">
+            <a:avLst/>
+          </a:prstGeom>
+          <a:noFill/>
+          <a:extLst>
+            <a:ext uri="{909E8E84-426E-40DD-AFC4-6F175D3DCCD1}">
+              <a14:hiddenFill xmlns:a14="http://schemas.microsoft.com/office/drawing/2010/main">
+                <a:solidFill>
+                  <a:srgbClr val="FFFFFF"/>
+                </a:solidFill>
+              </a14:hiddenFill>
+            </a:ext>
+          </a:extLst>
+        </p:spPr>
+      </p:pic>
+      <p:sp>
+        <p:nvSpPr>
+          <p:cNvPr id="16" name="Slide Number Placeholder 15">
+            <a:extLst>
+              <a:ext uri="{FF2B5EF4-FFF2-40B4-BE49-F238E27FC236}">
+                <a16:creationId xmlns:a16="http://schemas.microsoft.com/office/drawing/2014/main" id="{EF471837-048B-4414-929E-E64481F8825E}"/>
+              </a:ext>
+            </a:extLst>
+          </p:cNvPr>
+          <p:cNvSpPr>
+            <a:spLocks noGrp="1"/>
+          </p:cNvSpPr>
+          <p:nvPr>
+            <p:ph type="sldNum" sz="quarter" idx="12"/>
+          </p:nvPr>
+        </p:nvSpPr>
+        <p:spPr/>
+        <p:txBody>
+          <a:bodyPr/>
+          <a:lstStyle/>
+          <a:p>
+            <a:fld id="{6D22F896-40B5-4ADD-8801-0D06FADFA095}" type="slidenum">
+              <a:rPr lang="en-US" smtClean="0"/>
+              <a:t>11</a:t>
+            </a:fld>
+            <a:endParaRPr lang="en-US" dirty="0"/>
           </a:p>
         </p:txBody>
       </p:sp>
@@ -5767,2065 +6024,376 @@
           <a:p>
             <a:r>
               <a:rPr lang="en-US" dirty="0"/>
-              <a:t>Results</a:t>
-            </a:r>
-          </a:p>
-        </p:txBody>
-      </p:sp>
-      <p:graphicFrame>
-        <p:nvGraphicFramePr>
-          <p:cNvPr id="3" name="Table 2">
+              <a:t>Results: Final Round</a:t>
+            </a:r>
+          </a:p>
+        </p:txBody>
+      </p:sp>
+      <p:pic>
+        <p:nvPicPr>
+          <p:cNvPr id="9" name="Picture 8">
             <a:extLst>
               <a:ext uri="{FF2B5EF4-FFF2-40B4-BE49-F238E27FC236}">
-                <a16:creationId xmlns:a16="http://schemas.microsoft.com/office/drawing/2014/main" id="{DFF2B5C9-CAAC-4435-A628-A458AA0C2C6C}"/>
+                <a16:creationId xmlns:a16="http://schemas.microsoft.com/office/drawing/2014/main" id="{044BF716-8929-4D1F-9350-7638E06379BC}"/>
               </a:ext>
             </a:extLst>
           </p:cNvPr>
-          <p:cNvGraphicFramePr>
-            <a:graphicFrameLocks noGrp="1"/>
-          </p:cNvGraphicFramePr>
-          <p:nvPr>
-            <p:extLst>
-              <p:ext uri="{D42A27DB-BD31-4B8C-83A1-F6EECF244321}">
-                <p14:modId xmlns:p14="http://schemas.microsoft.com/office/powerpoint/2010/main" val="2686784161"/>
-              </p:ext>
-            </p:extLst>
-          </p:nvPr>
-        </p:nvGraphicFramePr>
-        <p:xfrm>
-          <a:off x="1376737" y="2234807"/>
-          <a:ext cx="9226194" cy="3590239"/>
-        </p:xfrm>
-        <a:graphic>
-          <a:graphicData uri="http://schemas.openxmlformats.org/drawingml/2006/table">
-            <a:tbl>
-              <a:tblPr/>
-              <a:tblGrid>
-                <a:gridCol w="1480930">
-                  <a:extLst>
-                    <a:ext uri="{9D8B030D-6E8A-4147-A177-3AD203B41FA5}">
-                      <a16:colId xmlns:a16="http://schemas.microsoft.com/office/drawing/2014/main" val="1027460501"/>
-                    </a:ext>
-                  </a:extLst>
-                </a:gridCol>
-                <a:gridCol w="1480930">
-                  <a:extLst>
-                    <a:ext uri="{9D8B030D-6E8A-4147-A177-3AD203B41FA5}">
-                      <a16:colId xmlns:a16="http://schemas.microsoft.com/office/drawing/2014/main" val="1138653210"/>
-                    </a:ext>
-                  </a:extLst>
-                </a:gridCol>
-                <a:gridCol w="1480930">
-                  <a:extLst>
-                    <a:ext uri="{9D8B030D-6E8A-4147-A177-3AD203B41FA5}">
-                      <a16:colId xmlns:a16="http://schemas.microsoft.com/office/drawing/2014/main" val="1999628138"/>
-                    </a:ext>
-                  </a:extLst>
-                </a:gridCol>
-                <a:gridCol w="1821544">
-                  <a:extLst>
-                    <a:ext uri="{9D8B030D-6E8A-4147-A177-3AD203B41FA5}">
-                      <a16:colId xmlns:a16="http://schemas.microsoft.com/office/drawing/2014/main" val="4042544121"/>
-                    </a:ext>
-                  </a:extLst>
-                </a:gridCol>
-                <a:gridCol w="1480930">
-                  <a:extLst>
-                    <a:ext uri="{9D8B030D-6E8A-4147-A177-3AD203B41FA5}">
-                      <a16:colId xmlns:a16="http://schemas.microsoft.com/office/drawing/2014/main" val="1927701376"/>
-                    </a:ext>
-                  </a:extLst>
-                </a:gridCol>
-                <a:gridCol w="1480930">
-                  <a:extLst>
-                    <a:ext uri="{9D8B030D-6E8A-4147-A177-3AD203B41FA5}">
-                      <a16:colId xmlns:a16="http://schemas.microsoft.com/office/drawing/2014/main" val="3200052198"/>
-                    </a:ext>
-                  </a:extLst>
-                </a:gridCol>
-              </a:tblGrid>
-              <a:tr h="648940">
-                <a:tc>
-                  <a:txBody>
-                    <a:bodyPr/>
-                    <a:lstStyle/>
-                    <a:p>
-                      <a:pPr algn="ctr" rtl="0" fontAlgn="b"/>
-                      <a:endParaRPr lang="en-US" sz="1400">
-                        <a:effectLst/>
-                        <a:latin typeface="+mn-lt"/>
-                      </a:endParaRPr>
-                    </a:p>
-                  </a:txBody>
-                  <a:tcPr marL="28575" marR="28575" marT="19050" marB="19050" anchor="b">
-                    <a:lnL w="9525" cap="flat" cmpd="sng" algn="ctr">
-                      <a:solidFill>
-                        <a:srgbClr val="CCCCCC"/>
-                      </a:solidFill>
-                      <a:prstDash val="solid"/>
-                      <a:round/>
-                      <a:headEnd type="none" w="med" len="med"/>
-                      <a:tailEnd type="none" w="med" len="med"/>
-                    </a:lnL>
-                    <a:lnR w="9525" cap="flat" cmpd="sng" algn="ctr">
-                      <a:solidFill>
-                        <a:srgbClr val="CCCCCC"/>
-                      </a:solidFill>
-                      <a:prstDash val="solid"/>
-                      <a:round/>
-                      <a:headEnd type="none" w="med" len="med"/>
-                      <a:tailEnd type="none" w="med" len="med"/>
-                    </a:lnR>
-                    <a:lnT w="9525" cap="flat" cmpd="sng" algn="ctr">
-                      <a:solidFill>
-                        <a:srgbClr val="CCCCCC"/>
-                      </a:solidFill>
-                      <a:prstDash val="solid"/>
-                      <a:round/>
-                      <a:headEnd type="none" w="med" len="med"/>
-                      <a:tailEnd type="none" w="med" len="med"/>
-                    </a:lnT>
-                    <a:lnB w="9525" cap="flat" cmpd="sng" algn="ctr">
-                      <a:solidFill>
-                        <a:srgbClr val="CCCCCC"/>
-                      </a:solidFill>
-                      <a:prstDash val="solid"/>
-                      <a:round/>
-                      <a:headEnd type="none" w="med" len="med"/>
-                      <a:tailEnd type="none" w="med" len="med"/>
-                    </a:lnB>
-                  </a:tcPr>
-                </a:tc>
-                <a:tc>
-                  <a:txBody>
-                    <a:bodyPr/>
-                    <a:lstStyle/>
-                    <a:p>
-                      <a:pPr algn="ctr" rtl="0" fontAlgn="b"/>
-                      <a:endParaRPr lang="en-US" sz="1400">
-                        <a:effectLst/>
-                        <a:latin typeface="+mn-lt"/>
-                      </a:endParaRPr>
-                    </a:p>
-                  </a:txBody>
-                  <a:tcPr marL="28575" marR="28575" marT="19050" marB="19050" anchor="b">
-                    <a:lnL w="9525" cap="flat" cmpd="sng" algn="ctr">
-                      <a:solidFill>
-                        <a:srgbClr val="CCCCCC"/>
-                      </a:solidFill>
-                      <a:prstDash val="solid"/>
-                      <a:round/>
-                      <a:headEnd type="none" w="med" len="med"/>
-                      <a:tailEnd type="none" w="med" len="med"/>
-                    </a:lnL>
-                    <a:lnR w="9525" cap="flat" cmpd="sng" algn="ctr">
-                      <a:solidFill>
-                        <a:srgbClr val="CCCCCC"/>
-                      </a:solidFill>
-                      <a:prstDash val="solid"/>
-                      <a:round/>
-                      <a:headEnd type="none" w="med" len="med"/>
-                      <a:tailEnd type="none" w="med" len="med"/>
-                    </a:lnR>
-                    <a:lnT w="9525" cap="flat" cmpd="sng" algn="ctr">
-                      <a:solidFill>
-                        <a:srgbClr val="CCCCCC"/>
-                      </a:solidFill>
-                      <a:prstDash val="solid"/>
-                      <a:round/>
-                      <a:headEnd type="none" w="med" len="med"/>
-                      <a:tailEnd type="none" w="med" len="med"/>
-                    </a:lnT>
-                    <a:lnB w="9525" cap="flat" cmpd="sng" algn="ctr">
-                      <a:solidFill>
-                        <a:srgbClr val="CCCCCC"/>
-                      </a:solidFill>
-                      <a:prstDash val="solid"/>
-                      <a:round/>
-                      <a:headEnd type="none" w="med" len="med"/>
-                      <a:tailEnd type="none" w="med" len="med"/>
-                    </a:lnB>
-                  </a:tcPr>
-                </a:tc>
-                <a:tc>
-                  <a:txBody>
-                    <a:bodyPr/>
-                    <a:lstStyle/>
-                    <a:p>
-                      <a:pPr algn="ctr" rtl="0" fontAlgn="b"/>
-                      <a:r>
-                        <a:rPr lang="en-US" sz="1400">
-                          <a:effectLst/>
-                          <a:latin typeface="+mn-lt"/>
-                        </a:rPr>
-                        <a:t>total_bops</a:t>
-                      </a:r>
-                    </a:p>
-                  </a:txBody>
-                  <a:tcPr marL="28575" marR="28575" marT="19050" marB="19050" anchor="b">
-                    <a:lnL w="9525" cap="flat" cmpd="sng" algn="ctr">
-                      <a:solidFill>
-                        <a:srgbClr val="CCCCCC"/>
-                      </a:solidFill>
-                      <a:prstDash val="solid"/>
-                      <a:round/>
-                      <a:headEnd type="none" w="med" len="med"/>
-                      <a:tailEnd type="none" w="med" len="med"/>
-                    </a:lnL>
-                    <a:lnR w="9525" cap="flat" cmpd="sng" algn="ctr">
-                      <a:solidFill>
-                        <a:srgbClr val="CCCCCC"/>
-                      </a:solidFill>
-                      <a:prstDash val="solid"/>
-                      <a:round/>
-                      <a:headEnd type="none" w="med" len="med"/>
-                      <a:tailEnd type="none" w="med" len="med"/>
-                    </a:lnR>
-                    <a:lnT w="9525" cap="flat" cmpd="sng" algn="ctr">
-                      <a:solidFill>
-                        <a:srgbClr val="CCCCCC"/>
-                      </a:solidFill>
-                      <a:prstDash val="solid"/>
-                      <a:round/>
-                      <a:headEnd type="none" w="med" len="med"/>
-                      <a:tailEnd type="none" w="med" len="med"/>
-                    </a:lnT>
-                    <a:lnB w="9525" cap="flat" cmpd="sng" algn="ctr">
-                      <a:solidFill>
-                        <a:srgbClr val="CCCCCC"/>
-                      </a:solidFill>
-                      <a:prstDash val="solid"/>
-                      <a:round/>
-                      <a:headEnd type="none" w="med" len="med"/>
-                      <a:tailEnd type="none" w="med" len="med"/>
-                    </a:lnB>
-                  </a:tcPr>
-                </a:tc>
-                <a:tc>
-                  <a:txBody>
-                    <a:bodyPr/>
-                    <a:lstStyle/>
-                    <a:p>
-                      <a:pPr algn="ctr" rtl="0" fontAlgn="b"/>
-                      <a:r>
-                        <a:rPr lang="en-US" sz="1400">
-                          <a:effectLst/>
-                          <a:latin typeface="+mn-lt"/>
-                        </a:rPr>
-                        <a:t>total_mem_w_bits</a:t>
-                      </a:r>
-                    </a:p>
-                  </a:txBody>
-                  <a:tcPr marL="28575" marR="28575" marT="19050" marB="19050" anchor="b">
-                    <a:lnL w="9525" cap="flat" cmpd="sng" algn="ctr">
-                      <a:solidFill>
-                        <a:srgbClr val="CCCCCC"/>
-                      </a:solidFill>
-                      <a:prstDash val="solid"/>
-                      <a:round/>
-                      <a:headEnd type="none" w="med" len="med"/>
-                      <a:tailEnd type="none" w="med" len="med"/>
-                    </a:lnL>
-                    <a:lnR w="9525" cap="flat" cmpd="sng" algn="ctr">
-                      <a:solidFill>
-                        <a:srgbClr val="CCCCCC"/>
-                      </a:solidFill>
-                      <a:prstDash val="solid"/>
-                      <a:round/>
-                      <a:headEnd type="none" w="med" len="med"/>
-                      <a:tailEnd type="none" w="med" len="med"/>
-                    </a:lnR>
-                    <a:lnT w="9525" cap="flat" cmpd="sng" algn="ctr">
-                      <a:solidFill>
-                        <a:srgbClr val="CCCCCC"/>
-                      </a:solidFill>
-                      <a:prstDash val="solid"/>
-                      <a:round/>
-                      <a:headEnd type="none" w="med" len="med"/>
-                      <a:tailEnd type="none" w="med" len="med"/>
-                    </a:lnT>
-                    <a:lnB w="9525" cap="flat" cmpd="sng" algn="ctr">
-                      <a:solidFill>
-                        <a:srgbClr val="CCCCCC"/>
-                      </a:solidFill>
-                      <a:prstDash val="solid"/>
-                      <a:round/>
-                      <a:headEnd type="none" w="med" len="med"/>
-                      <a:tailEnd type="none" w="med" len="med"/>
-                    </a:lnB>
-                  </a:tcPr>
-                </a:tc>
-                <a:tc>
-                  <a:txBody>
-                    <a:bodyPr/>
-                    <a:lstStyle/>
-                    <a:p>
-                      <a:pPr algn="ctr" rtl="0" fontAlgn="b"/>
-                      <a:r>
-                        <a:rPr lang="en-US" sz="1400">
-                          <a:effectLst/>
-                          <a:latin typeface="+mn-lt"/>
-                        </a:rPr>
-                        <a:t>Inference Cost</a:t>
-                      </a:r>
-                    </a:p>
-                  </a:txBody>
-                  <a:tcPr marL="28575" marR="28575" marT="19050" marB="19050" anchor="b">
-                    <a:lnL w="9525" cap="flat" cmpd="sng" algn="ctr">
-                      <a:solidFill>
-                        <a:srgbClr val="CCCCCC"/>
-                      </a:solidFill>
-                      <a:prstDash val="solid"/>
-                      <a:round/>
-                      <a:headEnd type="none" w="med" len="med"/>
-                      <a:tailEnd type="none" w="med" len="med"/>
-                    </a:lnL>
-                    <a:lnR w="9525" cap="flat" cmpd="sng" algn="ctr">
-                      <a:solidFill>
-                        <a:srgbClr val="CCCCCC"/>
-                      </a:solidFill>
-                      <a:prstDash val="solid"/>
-                      <a:round/>
-                      <a:headEnd type="none" w="med" len="med"/>
-                      <a:tailEnd type="none" w="med" len="med"/>
-                    </a:lnR>
-                    <a:lnT w="9525" cap="flat" cmpd="sng" algn="ctr">
-                      <a:solidFill>
-                        <a:srgbClr val="CCCCCC"/>
-                      </a:solidFill>
-                      <a:prstDash val="solid"/>
-                      <a:round/>
-                      <a:headEnd type="none" w="med" len="med"/>
-                      <a:tailEnd type="none" w="med" len="med"/>
-                    </a:lnT>
-                    <a:lnB w="9525" cap="flat" cmpd="sng" algn="ctr">
-                      <a:solidFill>
-                        <a:srgbClr val="CCCCCC"/>
-                      </a:solidFill>
-                      <a:prstDash val="solid"/>
-                      <a:round/>
-                      <a:headEnd type="none" w="med" len="med"/>
-                      <a:tailEnd type="none" w="med" len="med"/>
-                    </a:lnB>
-                  </a:tcPr>
-                </a:tc>
-                <a:tc>
-                  <a:txBody>
-                    <a:bodyPr/>
-                    <a:lstStyle/>
-                    <a:p>
-                      <a:pPr algn="ctr" rtl="0" fontAlgn="b"/>
-                      <a:r>
-                        <a:rPr lang="en-US" sz="1400">
-                          <a:effectLst/>
-                          <a:latin typeface="+mn-lt"/>
-                        </a:rPr>
-                        <a:t>Compression</a:t>
-                      </a:r>
-                    </a:p>
-                  </a:txBody>
-                  <a:tcPr marL="28575" marR="28575" marT="19050" marB="19050" anchor="b">
-                    <a:lnL w="9525" cap="flat" cmpd="sng" algn="ctr">
-                      <a:solidFill>
-                        <a:srgbClr val="CCCCCC"/>
-                      </a:solidFill>
-                      <a:prstDash val="solid"/>
-                      <a:round/>
-                      <a:headEnd type="none" w="med" len="med"/>
-                      <a:tailEnd type="none" w="med" len="med"/>
-                    </a:lnL>
-                    <a:lnR w="9525" cap="flat" cmpd="sng" algn="ctr">
-                      <a:solidFill>
-                        <a:srgbClr val="CCCCCC"/>
-                      </a:solidFill>
-                      <a:prstDash val="solid"/>
-                      <a:round/>
-                      <a:headEnd type="none" w="med" len="med"/>
-                      <a:tailEnd type="none" w="med" len="med"/>
-                    </a:lnR>
-                    <a:lnT w="9525" cap="flat" cmpd="sng" algn="ctr">
-                      <a:solidFill>
-                        <a:srgbClr val="CCCCCC"/>
-                      </a:solidFill>
-                      <a:prstDash val="solid"/>
-                      <a:round/>
-                      <a:headEnd type="none" w="med" len="med"/>
-                      <a:tailEnd type="none" w="med" len="med"/>
-                    </a:lnT>
-                    <a:lnB w="9525" cap="flat" cmpd="sng" algn="ctr">
-                      <a:solidFill>
-                        <a:srgbClr val="CCCCCC"/>
-                      </a:solidFill>
-                      <a:prstDash val="solid"/>
-                      <a:round/>
-                      <a:headEnd type="none" w="med" len="med"/>
-                      <a:tailEnd type="none" w="med" len="med"/>
-                    </a:lnB>
-                  </a:tcPr>
-                </a:tc>
-                <a:extLst>
-                  <a:ext uri="{0D108BD9-81ED-4DB2-BD59-A6C34878D82A}">
-                    <a16:rowId xmlns:a16="http://schemas.microsoft.com/office/drawing/2014/main" val="1660861124"/>
-                  </a:ext>
-                </a:extLst>
-              </a:tr>
-              <a:tr h="345539">
-                <a:tc>
-                  <a:txBody>
-                    <a:bodyPr/>
-                    <a:lstStyle/>
-                    <a:p>
-                      <a:pPr algn="ctr" rtl="0" fontAlgn="b"/>
-                      <a:endParaRPr lang="en-US" sz="1400">
-                        <a:effectLst/>
-                        <a:latin typeface="+mn-lt"/>
-                      </a:endParaRPr>
-                    </a:p>
-                  </a:txBody>
-                  <a:tcPr marL="28575" marR="28575" marT="19050" marB="19050" anchor="b">
-                    <a:lnL w="9525" cap="flat" cmpd="sng" algn="ctr">
-                      <a:solidFill>
-                        <a:srgbClr val="CCCCCC"/>
-                      </a:solidFill>
-                      <a:prstDash val="solid"/>
-                      <a:round/>
-                      <a:headEnd type="none" w="med" len="med"/>
-                      <a:tailEnd type="none" w="med" len="med"/>
-                    </a:lnL>
-                    <a:lnR w="9525" cap="flat" cmpd="sng" algn="ctr">
-                      <a:solidFill>
-                        <a:srgbClr val="CCCCCC"/>
-                      </a:solidFill>
-                      <a:prstDash val="solid"/>
-                      <a:round/>
-                      <a:headEnd type="none" w="med" len="med"/>
-                      <a:tailEnd type="none" w="med" len="med"/>
-                    </a:lnR>
-                    <a:lnT w="9525" cap="flat" cmpd="sng" algn="ctr">
-                      <a:solidFill>
-                        <a:srgbClr val="CCCCCC"/>
-                      </a:solidFill>
-                      <a:prstDash val="solid"/>
-                      <a:round/>
-                      <a:headEnd type="none" w="med" len="med"/>
-                      <a:tailEnd type="none" w="med" len="med"/>
-                    </a:lnT>
-                    <a:lnB w="9525" cap="flat" cmpd="sng" algn="ctr">
-                      <a:solidFill>
-                        <a:srgbClr val="CCCCCC"/>
-                      </a:solidFill>
-                      <a:prstDash val="solid"/>
-                      <a:round/>
-                      <a:headEnd type="none" w="med" len="med"/>
-                      <a:tailEnd type="none" w="med" len="med"/>
-                    </a:lnB>
-                  </a:tcPr>
-                </a:tc>
-                <a:tc>
-                  <a:txBody>
-                    <a:bodyPr/>
-                    <a:lstStyle/>
-                    <a:p>
-                      <a:pPr algn="ctr" rtl="0" fontAlgn="b"/>
-                      <a:endParaRPr lang="en-US" sz="1400" dirty="0">
-                        <a:effectLst/>
-                        <a:latin typeface="+mn-lt"/>
-                      </a:endParaRPr>
-                    </a:p>
-                  </a:txBody>
-                  <a:tcPr marL="28575" marR="28575" marT="19050" marB="19050" anchor="b">
-                    <a:lnL w="9525" cap="flat" cmpd="sng" algn="ctr">
-                      <a:solidFill>
-                        <a:srgbClr val="CCCCCC"/>
-                      </a:solidFill>
-                      <a:prstDash val="solid"/>
-                      <a:round/>
-                      <a:headEnd type="none" w="med" len="med"/>
-                      <a:tailEnd type="none" w="med" len="med"/>
-                    </a:lnL>
-                    <a:lnR w="9525" cap="flat" cmpd="sng" algn="ctr">
-                      <a:solidFill>
-                        <a:srgbClr val="CCCCCC"/>
-                      </a:solidFill>
-                      <a:prstDash val="solid"/>
-                      <a:round/>
-                      <a:headEnd type="none" w="med" len="med"/>
-                      <a:tailEnd type="none" w="med" len="med"/>
-                    </a:lnR>
-                    <a:lnT w="9525" cap="flat" cmpd="sng" algn="ctr">
-                      <a:solidFill>
-                        <a:srgbClr val="CCCCCC"/>
-                      </a:solidFill>
-                      <a:prstDash val="solid"/>
-                      <a:round/>
-                      <a:headEnd type="none" w="med" len="med"/>
-                      <a:tailEnd type="none" w="med" len="med"/>
-                    </a:lnT>
-                    <a:lnB w="9525" cap="flat" cmpd="sng" algn="ctr">
-                      <a:solidFill>
-                        <a:srgbClr val="CCCCCC"/>
-                      </a:solidFill>
-                      <a:prstDash val="solid"/>
-                      <a:round/>
-                      <a:headEnd type="none" w="med" len="med"/>
-                      <a:tailEnd type="none" w="med" len="med"/>
-                    </a:lnB>
-                  </a:tcPr>
-                </a:tc>
-                <a:tc>
-                  <a:txBody>
-                    <a:bodyPr/>
-                    <a:lstStyle/>
-                    <a:p>
-                      <a:pPr algn="ctr" rtl="0" fontAlgn="b"/>
-                      <a:endParaRPr lang="en-US" sz="1400">
-                        <a:effectLst/>
-                        <a:latin typeface="+mn-lt"/>
-                      </a:endParaRPr>
-                    </a:p>
-                  </a:txBody>
-                  <a:tcPr marL="28575" marR="28575" marT="19050" marB="19050" anchor="b">
-                    <a:lnL w="9525" cap="flat" cmpd="sng" algn="ctr">
-                      <a:solidFill>
-                        <a:srgbClr val="CCCCCC"/>
-                      </a:solidFill>
-                      <a:prstDash val="solid"/>
-                      <a:round/>
-                      <a:headEnd type="none" w="med" len="med"/>
-                      <a:tailEnd type="none" w="med" len="med"/>
-                    </a:lnL>
-                    <a:lnR w="9525" cap="flat" cmpd="sng" algn="ctr">
-                      <a:solidFill>
-                        <a:srgbClr val="CCCCCC"/>
-                      </a:solidFill>
-                      <a:prstDash val="solid"/>
-                      <a:round/>
-                      <a:headEnd type="none" w="med" len="med"/>
-                      <a:tailEnd type="none" w="med" len="med"/>
-                    </a:lnR>
-                    <a:lnT w="9525" cap="flat" cmpd="sng" algn="ctr">
-                      <a:solidFill>
-                        <a:srgbClr val="CCCCCC"/>
-                      </a:solidFill>
-                      <a:prstDash val="solid"/>
-                      <a:round/>
-                      <a:headEnd type="none" w="med" len="med"/>
-                      <a:tailEnd type="none" w="med" len="med"/>
-                    </a:lnT>
-                    <a:lnB w="9525" cap="flat" cmpd="sng" algn="ctr">
-                      <a:solidFill>
-                        <a:srgbClr val="CCCCCC"/>
-                      </a:solidFill>
-                      <a:prstDash val="solid"/>
-                      <a:round/>
-                      <a:headEnd type="none" w="med" len="med"/>
-                      <a:tailEnd type="none" w="med" len="med"/>
-                    </a:lnB>
-                  </a:tcPr>
-                </a:tc>
-                <a:tc>
-                  <a:txBody>
-                    <a:bodyPr/>
-                    <a:lstStyle/>
-                    <a:p>
-                      <a:pPr algn="ctr" rtl="0" fontAlgn="b"/>
-                      <a:endParaRPr lang="en-US" sz="1400">
-                        <a:effectLst/>
-                        <a:latin typeface="+mn-lt"/>
-                      </a:endParaRPr>
-                    </a:p>
-                  </a:txBody>
-                  <a:tcPr marL="28575" marR="28575" marT="19050" marB="19050" anchor="b">
-                    <a:lnL w="9525" cap="flat" cmpd="sng" algn="ctr">
-                      <a:solidFill>
-                        <a:srgbClr val="CCCCCC"/>
-                      </a:solidFill>
-                      <a:prstDash val="solid"/>
-                      <a:round/>
-                      <a:headEnd type="none" w="med" len="med"/>
-                      <a:tailEnd type="none" w="med" len="med"/>
-                    </a:lnL>
-                    <a:lnR w="9525" cap="flat" cmpd="sng" algn="ctr">
-                      <a:solidFill>
-                        <a:srgbClr val="CCCCCC"/>
-                      </a:solidFill>
-                      <a:prstDash val="solid"/>
-                      <a:round/>
-                      <a:headEnd type="none" w="med" len="med"/>
-                      <a:tailEnd type="none" w="med" len="med"/>
-                    </a:lnR>
-                    <a:lnT w="9525" cap="flat" cmpd="sng" algn="ctr">
-                      <a:solidFill>
-                        <a:srgbClr val="CCCCCC"/>
-                      </a:solidFill>
-                      <a:prstDash val="solid"/>
-                      <a:round/>
-                      <a:headEnd type="none" w="med" len="med"/>
-                      <a:tailEnd type="none" w="med" len="med"/>
-                    </a:lnT>
-                    <a:lnB w="9525" cap="flat" cmpd="sng" algn="ctr">
-                      <a:solidFill>
-                        <a:srgbClr val="CCCCCC"/>
-                      </a:solidFill>
-                      <a:prstDash val="solid"/>
-                      <a:round/>
-                      <a:headEnd type="none" w="med" len="med"/>
-                      <a:tailEnd type="none" w="med" len="med"/>
-                    </a:lnB>
-                  </a:tcPr>
-                </a:tc>
-                <a:tc>
-                  <a:txBody>
-                    <a:bodyPr/>
-                    <a:lstStyle/>
-                    <a:p>
-                      <a:pPr algn="ctr" rtl="0" fontAlgn="b"/>
-                      <a:endParaRPr lang="en-US" sz="1400">
-                        <a:effectLst/>
-                        <a:latin typeface="+mn-lt"/>
-                      </a:endParaRPr>
-                    </a:p>
-                  </a:txBody>
-                  <a:tcPr marL="28575" marR="28575" marT="19050" marB="19050" anchor="b">
-                    <a:lnL w="9525" cap="flat" cmpd="sng" algn="ctr">
-                      <a:solidFill>
-                        <a:srgbClr val="CCCCCC"/>
-                      </a:solidFill>
-                      <a:prstDash val="solid"/>
-                      <a:round/>
-                      <a:headEnd type="none" w="med" len="med"/>
-                      <a:tailEnd type="none" w="med" len="med"/>
-                    </a:lnL>
-                    <a:lnR w="9525" cap="flat" cmpd="sng" algn="ctr">
-                      <a:solidFill>
-                        <a:srgbClr val="CCCCCC"/>
-                      </a:solidFill>
-                      <a:prstDash val="solid"/>
-                      <a:round/>
-                      <a:headEnd type="none" w="med" len="med"/>
-                      <a:tailEnd type="none" w="med" len="med"/>
-                    </a:lnR>
-                    <a:lnT w="9525" cap="flat" cmpd="sng" algn="ctr">
-                      <a:solidFill>
-                        <a:srgbClr val="CCCCCC"/>
-                      </a:solidFill>
-                      <a:prstDash val="solid"/>
-                      <a:round/>
-                      <a:headEnd type="none" w="med" len="med"/>
-                      <a:tailEnd type="none" w="med" len="med"/>
-                    </a:lnT>
-                    <a:lnB w="9525" cap="flat" cmpd="sng" algn="ctr">
-                      <a:solidFill>
-                        <a:srgbClr val="CCCCCC"/>
-                      </a:solidFill>
-                      <a:prstDash val="solid"/>
-                      <a:round/>
-                      <a:headEnd type="none" w="med" len="med"/>
-                      <a:tailEnd type="none" w="med" len="med"/>
-                    </a:lnB>
-                  </a:tcPr>
-                </a:tc>
-                <a:tc>
-                  <a:txBody>
-                    <a:bodyPr/>
-                    <a:lstStyle/>
-                    <a:p>
-                      <a:pPr algn="ctr" rtl="0" fontAlgn="b"/>
-                      <a:endParaRPr lang="en-US" sz="1400">
-                        <a:effectLst/>
-                        <a:latin typeface="+mn-lt"/>
-                      </a:endParaRPr>
-                    </a:p>
-                  </a:txBody>
-                  <a:tcPr marL="28575" marR="28575" marT="19050" marB="19050" anchor="b">
-                    <a:lnL w="9525" cap="flat" cmpd="sng" algn="ctr">
-                      <a:solidFill>
-                        <a:srgbClr val="CCCCCC"/>
-                      </a:solidFill>
-                      <a:prstDash val="solid"/>
-                      <a:round/>
-                      <a:headEnd type="none" w="med" len="med"/>
-                      <a:tailEnd type="none" w="med" len="med"/>
-                    </a:lnL>
-                    <a:lnR w="9525" cap="flat" cmpd="sng" algn="ctr">
-                      <a:solidFill>
-                        <a:srgbClr val="CCCCCC"/>
-                      </a:solidFill>
-                      <a:prstDash val="solid"/>
-                      <a:round/>
-                      <a:headEnd type="none" w="med" len="med"/>
-                      <a:tailEnd type="none" w="med" len="med"/>
-                    </a:lnR>
-                    <a:lnT w="9525" cap="flat" cmpd="sng" algn="ctr">
-                      <a:solidFill>
-                        <a:srgbClr val="CCCCCC"/>
-                      </a:solidFill>
-                      <a:prstDash val="solid"/>
-                      <a:round/>
-                      <a:headEnd type="none" w="med" len="med"/>
-                      <a:tailEnd type="none" w="med" len="med"/>
-                    </a:lnT>
-                    <a:lnB w="9525" cap="flat" cmpd="sng" algn="ctr">
-                      <a:solidFill>
-                        <a:srgbClr val="CCCCCC"/>
-                      </a:solidFill>
-                      <a:prstDash val="solid"/>
-                      <a:round/>
-                      <a:headEnd type="none" w="med" len="med"/>
-                      <a:tailEnd type="none" w="med" len="med"/>
-                    </a:lnB>
-                  </a:tcPr>
-                </a:tc>
-                <a:extLst>
-                  <a:ext uri="{0D108BD9-81ED-4DB2-BD59-A6C34878D82A}">
-                    <a16:rowId xmlns:a16="http://schemas.microsoft.com/office/drawing/2014/main" val="3717535331"/>
-                  </a:ext>
-                </a:extLst>
-              </a:tr>
-              <a:tr h="648940">
-                <a:tc>
-                  <a:txBody>
-                    <a:bodyPr/>
-                    <a:lstStyle/>
-                    <a:p>
-                      <a:pPr algn="ctr" rtl="0" fontAlgn="b"/>
-                      <a:r>
-                        <a:rPr lang="en-US" sz="1400">
-                          <a:effectLst/>
-                          <a:latin typeface="+mn-lt"/>
-                        </a:rPr>
-                        <a:t>Base</a:t>
-                      </a:r>
-                    </a:p>
-                  </a:txBody>
-                  <a:tcPr marL="28575" marR="28575" marT="19050" marB="19050" anchor="b">
-                    <a:lnL w="9525" cap="flat" cmpd="sng" algn="ctr">
-                      <a:solidFill>
-                        <a:srgbClr val="CCCCCC"/>
-                      </a:solidFill>
-                      <a:prstDash val="solid"/>
-                      <a:round/>
-                      <a:headEnd type="none" w="med" len="med"/>
-                      <a:tailEnd type="none" w="med" len="med"/>
-                    </a:lnL>
-                    <a:lnR w="9525" cap="flat" cmpd="sng" algn="ctr">
-                      <a:solidFill>
-                        <a:srgbClr val="CCCCCC"/>
-                      </a:solidFill>
-                      <a:prstDash val="solid"/>
-                      <a:round/>
-                      <a:headEnd type="none" w="med" len="med"/>
-                      <a:tailEnd type="none" w="med" len="med"/>
-                    </a:lnR>
-                    <a:lnT w="9525" cap="flat" cmpd="sng" algn="ctr">
-                      <a:solidFill>
-                        <a:srgbClr val="CCCCCC"/>
-                      </a:solidFill>
-                      <a:prstDash val="solid"/>
-                      <a:round/>
-                      <a:headEnd type="none" w="med" len="med"/>
-                      <a:tailEnd type="none" w="med" len="med"/>
-                    </a:lnT>
-                    <a:lnB w="9525" cap="flat" cmpd="sng" algn="ctr">
-                      <a:solidFill>
-                        <a:srgbClr val="CCCCCC"/>
-                      </a:solidFill>
-                      <a:prstDash val="solid"/>
-                      <a:round/>
-                      <a:headEnd type="none" w="med" len="med"/>
-                      <a:tailEnd type="none" w="med" len="med"/>
-                    </a:lnB>
-                  </a:tcPr>
-                </a:tc>
-                <a:tc>
-                  <a:txBody>
-                    <a:bodyPr/>
-                    <a:lstStyle/>
-                    <a:p>
-                      <a:pPr algn="ctr" rtl="0" fontAlgn="b"/>
-                      <a:r>
-                        <a:rPr lang="en-US" sz="1400">
-                          <a:effectLst/>
-                          <a:latin typeface="+mn-lt"/>
-                        </a:rPr>
-                        <a:t>VGG_Xilinx</a:t>
-                      </a:r>
-                    </a:p>
-                  </a:txBody>
-                  <a:tcPr marL="28575" marR="28575" marT="19050" marB="19050" anchor="b">
-                    <a:lnL w="9525" cap="flat" cmpd="sng" algn="ctr">
-                      <a:solidFill>
-                        <a:srgbClr val="CCCCCC"/>
-                      </a:solidFill>
-                      <a:prstDash val="solid"/>
-                      <a:round/>
-                      <a:headEnd type="none" w="med" len="med"/>
-                      <a:tailEnd type="none" w="med" len="med"/>
-                    </a:lnL>
-                    <a:lnR w="9525" cap="flat" cmpd="sng" algn="ctr">
-                      <a:solidFill>
-                        <a:srgbClr val="CCCCCC"/>
-                      </a:solidFill>
-                      <a:prstDash val="solid"/>
-                      <a:round/>
-                      <a:headEnd type="none" w="med" len="med"/>
-                      <a:tailEnd type="none" w="med" len="med"/>
-                    </a:lnR>
-                    <a:lnT w="9525" cap="flat" cmpd="sng" algn="ctr">
-                      <a:solidFill>
-                        <a:srgbClr val="CCCCCC"/>
-                      </a:solidFill>
-                      <a:prstDash val="solid"/>
-                      <a:round/>
-                      <a:headEnd type="none" w="med" len="med"/>
-                      <a:tailEnd type="none" w="med" len="med"/>
-                    </a:lnT>
-                    <a:lnB w="9525" cap="flat" cmpd="sng" algn="ctr">
-                      <a:solidFill>
-                        <a:srgbClr val="CCCCCC"/>
-                      </a:solidFill>
-                      <a:prstDash val="solid"/>
-                      <a:round/>
-                      <a:headEnd type="none" w="med" len="med"/>
-                      <a:tailEnd type="none" w="med" len="med"/>
-                    </a:lnB>
-                  </a:tcPr>
-                </a:tc>
-                <a:tc>
-                  <a:txBody>
-                    <a:bodyPr/>
-                    <a:lstStyle/>
-                    <a:p>
-                      <a:pPr algn="ctr" rtl="0" fontAlgn="b"/>
-                      <a:r>
-                        <a:rPr lang="en-US" sz="1400">
-                          <a:effectLst/>
-                          <a:latin typeface="+mn-lt"/>
-                        </a:rPr>
-                        <a:t>807699904</a:t>
-                      </a:r>
-                    </a:p>
-                  </a:txBody>
-                  <a:tcPr marL="28575" marR="28575" marT="19050" marB="19050" anchor="b">
-                    <a:lnL w="9525" cap="flat" cmpd="sng" algn="ctr">
-                      <a:solidFill>
-                        <a:srgbClr val="CCCCCC"/>
-                      </a:solidFill>
-                      <a:prstDash val="solid"/>
-                      <a:round/>
-                      <a:headEnd type="none" w="med" len="med"/>
-                      <a:tailEnd type="none" w="med" len="med"/>
-                    </a:lnL>
-                    <a:lnR w="9525" cap="flat" cmpd="sng" algn="ctr">
-                      <a:solidFill>
-                        <a:srgbClr val="CCCCCC"/>
-                      </a:solidFill>
-                      <a:prstDash val="solid"/>
-                      <a:round/>
-                      <a:headEnd type="none" w="med" len="med"/>
-                      <a:tailEnd type="none" w="med" len="med"/>
-                    </a:lnR>
-                    <a:lnT w="9525" cap="flat" cmpd="sng" algn="ctr">
-                      <a:solidFill>
-                        <a:srgbClr val="CCCCCC"/>
-                      </a:solidFill>
-                      <a:prstDash val="solid"/>
-                      <a:round/>
-                      <a:headEnd type="none" w="med" len="med"/>
-                      <a:tailEnd type="none" w="med" len="med"/>
-                    </a:lnT>
-                    <a:lnB w="9525" cap="flat" cmpd="sng" algn="ctr">
-                      <a:solidFill>
-                        <a:srgbClr val="CCCCCC"/>
-                      </a:solidFill>
-                      <a:prstDash val="solid"/>
-                      <a:round/>
-                      <a:headEnd type="none" w="med" len="med"/>
-                      <a:tailEnd type="none" w="med" len="med"/>
-                    </a:lnB>
-                  </a:tcPr>
-                </a:tc>
-                <a:tc>
-                  <a:txBody>
-                    <a:bodyPr/>
-                    <a:lstStyle/>
-                    <a:p>
-                      <a:pPr algn="ctr" rtl="0" fontAlgn="b"/>
-                      <a:r>
-                        <a:rPr lang="en-US" sz="1400">
-                          <a:effectLst/>
-                          <a:latin typeface="+mn-lt"/>
-                        </a:rPr>
-                        <a:t>1244936</a:t>
-                      </a:r>
-                    </a:p>
-                  </a:txBody>
-                  <a:tcPr marL="28575" marR="28575" marT="19050" marB="19050" anchor="b">
-                    <a:lnL w="9525" cap="flat" cmpd="sng" algn="ctr">
-                      <a:solidFill>
-                        <a:srgbClr val="CCCCCC"/>
-                      </a:solidFill>
-                      <a:prstDash val="solid"/>
-                      <a:round/>
-                      <a:headEnd type="none" w="med" len="med"/>
-                      <a:tailEnd type="none" w="med" len="med"/>
-                    </a:lnL>
-                    <a:lnR w="9525" cap="flat" cmpd="sng" algn="ctr">
-                      <a:solidFill>
-                        <a:srgbClr val="CCCCCC"/>
-                      </a:solidFill>
-                      <a:prstDash val="solid"/>
-                      <a:round/>
-                      <a:headEnd type="none" w="med" len="med"/>
-                      <a:tailEnd type="none" w="med" len="med"/>
-                    </a:lnR>
-                    <a:lnT w="9525" cap="flat" cmpd="sng" algn="ctr">
-                      <a:solidFill>
-                        <a:srgbClr val="CCCCCC"/>
-                      </a:solidFill>
-                      <a:prstDash val="solid"/>
-                      <a:round/>
-                      <a:headEnd type="none" w="med" len="med"/>
-                      <a:tailEnd type="none" w="med" len="med"/>
-                    </a:lnT>
-                    <a:lnB w="9525" cap="flat" cmpd="sng" algn="ctr">
-                      <a:solidFill>
-                        <a:srgbClr val="CCCCCC"/>
-                      </a:solidFill>
-                      <a:prstDash val="solid"/>
-                      <a:round/>
-                      <a:headEnd type="none" w="med" len="med"/>
-                      <a:tailEnd type="none" w="med" len="med"/>
-                    </a:lnB>
-                  </a:tcPr>
-                </a:tc>
-                <a:tc>
-                  <a:txBody>
-                    <a:bodyPr/>
-                    <a:lstStyle/>
-                    <a:p>
-                      <a:pPr algn="ctr" rtl="0" fontAlgn="b"/>
-                      <a:r>
-                        <a:rPr lang="en-US" sz="1400">
-                          <a:effectLst/>
-                          <a:latin typeface="+mn-lt"/>
-                        </a:rPr>
-                        <a:t>1</a:t>
-                      </a:r>
-                    </a:p>
-                  </a:txBody>
-                  <a:tcPr marL="28575" marR="28575" marT="19050" marB="19050" anchor="b">
-                    <a:lnL w="9525" cap="flat" cmpd="sng" algn="ctr">
-                      <a:solidFill>
-                        <a:srgbClr val="CCCCCC"/>
-                      </a:solidFill>
-                      <a:prstDash val="solid"/>
-                      <a:round/>
-                      <a:headEnd type="none" w="med" len="med"/>
-                      <a:tailEnd type="none" w="med" len="med"/>
-                    </a:lnL>
-                    <a:lnR w="9525" cap="flat" cmpd="sng" algn="ctr">
-                      <a:solidFill>
-                        <a:srgbClr val="CCCCCC"/>
-                      </a:solidFill>
-                      <a:prstDash val="solid"/>
-                      <a:round/>
-                      <a:headEnd type="none" w="med" len="med"/>
-                      <a:tailEnd type="none" w="med" len="med"/>
-                    </a:lnR>
-                    <a:lnT w="9525" cap="flat" cmpd="sng" algn="ctr">
-                      <a:solidFill>
-                        <a:srgbClr val="CCCCCC"/>
-                      </a:solidFill>
-                      <a:prstDash val="solid"/>
-                      <a:round/>
-                      <a:headEnd type="none" w="med" len="med"/>
-                      <a:tailEnd type="none" w="med" len="med"/>
-                    </a:lnT>
-                    <a:lnB w="9525" cap="flat" cmpd="sng" algn="ctr">
-                      <a:solidFill>
-                        <a:srgbClr val="CCCCCC"/>
-                      </a:solidFill>
-                      <a:prstDash val="solid"/>
-                      <a:round/>
-                      <a:headEnd type="none" w="med" len="med"/>
-                      <a:tailEnd type="none" w="med" len="med"/>
-                    </a:lnB>
-                  </a:tcPr>
-                </a:tc>
-                <a:tc>
-                  <a:txBody>
-                    <a:bodyPr/>
-                    <a:lstStyle/>
-                    <a:p>
-                      <a:pPr algn="ctr" rtl="0" fontAlgn="b"/>
-                      <a:r>
-                        <a:rPr lang="en-US" sz="1400">
-                          <a:effectLst/>
-                          <a:latin typeface="+mn-lt"/>
-                        </a:rPr>
-                        <a:t>1</a:t>
-                      </a:r>
-                    </a:p>
-                  </a:txBody>
-                  <a:tcPr marL="28575" marR="28575" marT="19050" marB="19050" anchor="b">
-                    <a:lnL w="9525" cap="flat" cmpd="sng" algn="ctr">
-                      <a:solidFill>
-                        <a:srgbClr val="CCCCCC"/>
-                      </a:solidFill>
-                      <a:prstDash val="solid"/>
-                      <a:round/>
-                      <a:headEnd type="none" w="med" len="med"/>
-                      <a:tailEnd type="none" w="med" len="med"/>
-                    </a:lnL>
-                    <a:lnR w="9525" cap="flat" cmpd="sng" algn="ctr">
-                      <a:solidFill>
-                        <a:srgbClr val="CCCCCC"/>
-                      </a:solidFill>
-                      <a:prstDash val="solid"/>
-                      <a:round/>
-                      <a:headEnd type="none" w="med" len="med"/>
-                      <a:tailEnd type="none" w="med" len="med"/>
-                    </a:lnR>
-                    <a:lnT w="9525" cap="flat" cmpd="sng" algn="ctr">
-                      <a:solidFill>
-                        <a:srgbClr val="CCCCCC"/>
-                      </a:solidFill>
-                      <a:prstDash val="solid"/>
-                      <a:round/>
-                      <a:headEnd type="none" w="med" len="med"/>
-                      <a:tailEnd type="none" w="med" len="med"/>
-                    </a:lnT>
-                    <a:lnB w="9525" cap="flat" cmpd="sng" algn="ctr">
-                      <a:solidFill>
-                        <a:srgbClr val="CCCCCC"/>
-                      </a:solidFill>
-                      <a:prstDash val="solid"/>
-                      <a:round/>
-                      <a:headEnd type="none" w="med" len="med"/>
-                      <a:tailEnd type="none" w="med" len="med"/>
-                    </a:lnB>
-                  </a:tcPr>
-                </a:tc>
-                <a:extLst>
-                  <a:ext uri="{0D108BD9-81ED-4DB2-BD59-A6C34878D82A}">
-                    <a16:rowId xmlns:a16="http://schemas.microsoft.com/office/drawing/2014/main" val="906258972"/>
-                  </a:ext>
-                </a:extLst>
-              </a:tr>
-              <a:tr h="648940">
-                <a:tc>
-                  <a:txBody>
-                    <a:bodyPr/>
-                    <a:lstStyle/>
-                    <a:p>
-                      <a:pPr algn="ctr" rtl="0" fontAlgn="b"/>
-                      <a:r>
-                        <a:rPr lang="en-US" sz="1400">
-                          <a:effectLst/>
-                          <a:latin typeface="+mn-lt"/>
-                        </a:rPr>
-                        <a:t>Highest Acc</a:t>
-                      </a:r>
-                    </a:p>
-                  </a:txBody>
-                  <a:tcPr marL="28575" marR="28575" marT="19050" marB="19050" anchor="b">
-                    <a:lnL w="9525" cap="flat" cmpd="sng" algn="ctr">
-                      <a:solidFill>
-                        <a:srgbClr val="CCCCCC"/>
-                      </a:solidFill>
-                      <a:prstDash val="solid"/>
-                      <a:round/>
-                      <a:headEnd type="none" w="med" len="med"/>
-                      <a:tailEnd type="none" w="med" len="med"/>
-                    </a:lnL>
-                    <a:lnR w="9525" cap="flat" cmpd="sng" algn="ctr">
-                      <a:solidFill>
-                        <a:srgbClr val="CCCCCC"/>
-                      </a:solidFill>
-                      <a:prstDash val="solid"/>
-                      <a:round/>
-                      <a:headEnd type="none" w="med" len="med"/>
-                      <a:tailEnd type="none" w="med" len="med"/>
-                    </a:lnR>
-                    <a:lnT w="9525" cap="flat" cmpd="sng" algn="ctr">
-                      <a:solidFill>
-                        <a:srgbClr val="CCCCCC"/>
-                      </a:solidFill>
-                      <a:prstDash val="solid"/>
-                      <a:round/>
-                      <a:headEnd type="none" w="med" len="med"/>
-                      <a:tailEnd type="none" w="med" len="med"/>
-                    </a:lnT>
-                    <a:lnB w="9525" cap="flat" cmpd="sng" algn="ctr">
-                      <a:solidFill>
-                        <a:srgbClr val="CCCCCC"/>
-                      </a:solidFill>
-                      <a:prstDash val="solid"/>
-                      <a:round/>
-                      <a:headEnd type="none" w="med" len="med"/>
-                      <a:tailEnd type="none" w="med" len="med"/>
-                    </a:lnB>
-                  </a:tcPr>
-                </a:tc>
-                <a:tc>
-                  <a:txBody>
-                    <a:bodyPr/>
-                    <a:lstStyle/>
-                    <a:p>
-                      <a:pPr algn="ctr" rtl="0" fontAlgn="b"/>
-                      <a:r>
-                        <a:rPr lang="en-US" sz="1400">
-                          <a:effectLst/>
-                          <a:latin typeface="+mn-lt"/>
-                        </a:rPr>
-                        <a:t>Inception 48</a:t>
-                      </a:r>
-                    </a:p>
-                  </a:txBody>
-                  <a:tcPr marL="28575" marR="28575" marT="19050" marB="19050" anchor="b">
-                    <a:lnL w="9525" cap="flat" cmpd="sng" algn="ctr">
-                      <a:solidFill>
-                        <a:srgbClr val="CCCCCC"/>
-                      </a:solidFill>
-                      <a:prstDash val="solid"/>
-                      <a:round/>
-                      <a:headEnd type="none" w="med" len="med"/>
-                      <a:tailEnd type="none" w="med" len="med"/>
-                    </a:lnL>
-                    <a:lnR w="9525" cap="flat" cmpd="sng" algn="ctr">
-                      <a:solidFill>
-                        <a:srgbClr val="CCCCCC"/>
-                      </a:solidFill>
-                      <a:prstDash val="solid"/>
-                      <a:round/>
-                      <a:headEnd type="none" w="med" len="med"/>
-                      <a:tailEnd type="none" w="med" len="med"/>
-                    </a:lnR>
-                    <a:lnT w="9525" cap="flat" cmpd="sng" algn="ctr">
-                      <a:solidFill>
-                        <a:srgbClr val="CCCCCC"/>
-                      </a:solidFill>
-                      <a:prstDash val="solid"/>
-                      <a:round/>
-                      <a:headEnd type="none" w="med" len="med"/>
-                      <a:tailEnd type="none" w="med" len="med"/>
-                    </a:lnT>
-                    <a:lnB w="9525" cap="flat" cmpd="sng" algn="ctr">
-                      <a:solidFill>
-                        <a:srgbClr val="CCCCCC"/>
-                      </a:solidFill>
-                      <a:prstDash val="solid"/>
-                      <a:round/>
-                      <a:headEnd type="none" w="med" len="med"/>
-                      <a:tailEnd type="none" w="med" len="med"/>
-                    </a:lnB>
-                  </a:tcPr>
-                </a:tc>
-                <a:tc>
-                  <a:txBody>
-                    <a:bodyPr/>
-                    <a:lstStyle/>
-                    <a:p>
-                      <a:pPr algn="ctr" rtl="0" fontAlgn="b"/>
-                      <a:r>
-                        <a:rPr lang="en-US" sz="1400">
-                          <a:effectLst/>
-                          <a:latin typeface="+mn-lt"/>
-                        </a:rPr>
-                        <a:t>36058800</a:t>
-                      </a:r>
-                    </a:p>
-                  </a:txBody>
-                  <a:tcPr marL="28575" marR="28575" marT="19050" marB="19050" anchor="b">
-                    <a:lnL w="9525" cap="flat" cmpd="sng" algn="ctr">
-                      <a:solidFill>
-                        <a:srgbClr val="CCCCCC"/>
-                      </a:solidFill>
-                      <a:prstDash val="solid"/>
-                      <a:round/>
-                      <a:headEnd type="none" w="med" len="med"/>
-                      <a:tailEnd type="none" w="med" len="med"/>
-                    </a:lnL>
-                    <a:lnR w="9525" cap="flat" cmpd="sng" algn="ctr">
-                      <a:solidFill>
-                        <a:srgbClr val="CCCCCC"/>
-                      </a:solidFill>
-                      <a:prstDash val="solid"/>
-                      <a:round/>
-                      <a:headEnd type="none" w="med" len="med"/>
-                      <a:tailEnd type="none" w="med" len="med"/>
-                    </a:lnR>
-                    <a:lnT w="9525" cap="flat" cmpd="sng" algn="ctr">
-                      <a:solidFill>
-                        <a:srgbClr val="CCCCCC"/>
-                      </a:solidFill>
-                      <a:prstDash val="solid"/>
-                      <a:round/>
-                      <a:headEnd type="none" w="med" len="med"/>
-                      <a:tailEnd type="none" w="med" len="med"/>
-                    </a:lnT>
-                    <a:lnB w="9525" cap="flat" cmpd="sng" algn="ctr">
-                      <a:solidFill>
-                        <a:srgbClr val="CCCCCC"/>
-                      </a:solidFill>
-                      <a:prstDash val="solid"/>
-                      <a:round/>
-                      <a:headEnd type="none" w="med" len="med"/>
-                      <a:tailEnd type="none" w="med" len="med"/>
-                    </a:lnB>
-                  </a:tcPr>
-                </a:tc>
-                <a:tc>
-                  <a:txBody>
-                    <a:bodyPr/>
-                    <a:lstStyle/>
-                    <a:p>
-                      <a:pPr algn="ctr" rtl="0" fontAlgn="b"/>
-                      <a:r>
-                        <a:rPr lang="en-US" sz="1400">
-                          <a:effectLst/>
-                          <a:latin typeface="+mn-lt"/>
-                        </a:rPr>
-                        <a:t>52002</a:t>
-                      </a:r>
-                    </a:p>
-                  </a:txBody>
-                  <a:tcPr marL="28575" marR="28575" marT="19050" marB="19050" anchor="b">
-                    <a:lnL w="9525" cap="flat" cmpd="sng" algn="ctr">
-                      <a:solidFill>
-                        <a:srgbClr val="CCCCCC"/>
-                      </a:solidFill>
-                      <a:prstDash val="solid"/>
-                      <a:round/>
-                      <a:headEnd type="none" w="med" len="med"/>
-                      <a:tailEnd type="none" w="med" len="med"/>
-                    </a:lnL>
-                    <a:lnR w="9525" cap="flat" cmpd="sng" algn="ctr">
-                      <a:solidFill>
-                        <a:srgbClr val="CCCCCC"/>
-                      </a:solidFill>
-                      <a:prstDash val="solid"/>
-                      <a:round/>
-                      <a:headEnd type="none" w="med" len="med"/>
-                      <a:tailEnd type="none" w="med" len="med"/>
-                    </a:lnR>
-                    <a:lnT w="9525" cap="flat" cmpd="sng" algn="ctr">
-                      <a:solidFill>
-                        <a:srgbClr val="CCCCCC"/>
-                      </a:solidFill>
-                      <a:prstDash val="solid"/>
-                      <a:round/>
-                      <a:headEnd type="none" w="med" len="med"/>
-                      <a:tailEnd type="none" w="med" len="med"/>
-                    </a:lnT>
-                    <a:lnB w="9525" cap="flat" cmpd="sng" algn="ctr">
-                      <a:solidFill>
-                        <a:srgbClr val="CCCCCC"/>
-                      </a:solidFill>
-                      <a:prstDash val="solid"/>
-                      <a:round/>
-                      <a:headEnd type="none" w="med" len="med"/>
-                      <a:tailEnd type="none" w="med" len="med"/>
-                    </a:lnB>
-                  </a:tcPr>
-                </a:tc>
-                <a:tc>
-                  <a:txBody>
-                    <a:bodyPr/>
-                    <a:lstStyle/>
-                    <a:p>
-                      <a:pPr algn="ctr" rtl="0" fontAlgn="b"/>
-                      <a:r>
-                        <a:rPr lang="en-US" sz="1400" dirty="0">
-                          <a:effectLst/>
-                          <a:latin typeface="+mn-lt"/>
-                        </a:rPr>
-                        <a:t>0.04320731533</a:t>
-                      </a:r>
-                    </a:p>
-                  </a:txBody>
-                  <a:tcPr marL="28575" marR="28575" marT="19050" marB="19050" anchor="b">
-                    <a:lnL w="9525" cap="flat" cmpd="sng" algn="ctr">
-                      <a:solidFill>
-                        <a:srgbClr val="CCCCCC"/>
-                      </a:solidFill>
-                      <a:prstDash val="solid"/>
-                      <a:round/>
-                      <a:headEnd type="none" w="med" len="med"/>
-                      <a:tailEnd type="none" w="med" len="med"/>
-                    </a:lnL>
-                    <a:lnR w="9525" cap="flat" cmpd="sng" algn="ctr">
-                      <a:solidFill>
-                        <a:srgbClr val="CCCCCC"/>
-                      </a:solidFill>
-                      <a:prstDash val="solid"/>
-                      <a:round/>
-                      <a:headEnd type="none" w="med" len="med"/>
-                      <a:tailEnd type="none" w="med" len="med"/>
-                    </a:lnR>
-                    <a:lnT w="9525" cap="flat" cmpd="sng" algn="ctr">
-                      <a:solidFill>
-                        <a:srgbClr val="CCCCCC"/>
-                      </a:solidFill>
-                      <a:prstDash val="solid"/>
-                      <a:round/>
-                      <a:headEnd type="none" w="med" len="med"/>
-                      <a:tailEnd type="none" w="med" len="med"/>
-                    </a:lnT>
-                    <a:lnB w="9525" cap="flat" cmpd="sng" algn="ctr">
-                      <a:solidFill>
-                        <a:srgbClr val="CCCCCC"/>
-                      </a:solidFill>
-                      <a:prstDash val="solid"/>
-                      <a:round/>
-                      <a:headEnd type="none" w="med" len="med"/>
-                      <a:tailEnd type="none" w="med" len="med"/>
-                    </a:lnB>
-                  </a:tcPr>
-                </a:tc>
-                <a:tc>
-                  <a:txBody>
-                    <a:bodyPr/>
-                    <a:lstStyle/>
-                    <a:p>
-                      <a:pPr algn="ctr" rtl="0" fontAlgn="b"/>
-                      <a:r>
-                        <a:rPr lang="en-US" sz="1400">
-                          <a:effectLst/>
-                          <a:latin typeface="+mn-lt"/>
-                        </a:rPr>
-                        <a:t>23.14422899</a:t>
-                      </a:r>
-                    </a:p>
-                  </a:txBody>
-                  <a:tcPr marL="28575" marR="28575" marT="19050" marB="19050" anchor="b">
-                    <a:lnL w="9525" cap="flat" cmpd="sng" algn="ctr">
-                      <a:solidFill>
-                        <a:srgbClr val="CCCCCC"/>
-                      </a:solidFill>
-                      <a:prstDash val="solid"/>
-                      <a:round/>
-                      <a:headEnd type="none" w="med" len="med"/>
-                      <a:tailEnd type="none" w="med" len="med"/>
-                    </a:lnL>
-                    <a:lnR w="9525" cap="flat" cmpd="sng" algn="ctr">
-                      <a:solidFill>
-                        <a:srgbClr val="CCCCCC"/>
-                      </a:solidFill>
-                      <a:prstDash val="solid"/>
-                      <a:round/>
-                      <a:headEnd type="none" w="med" len="med"/>
-                      <a:tailEnd type="none" w="med" len="med"/>
-                    </a:lnR>
-                    <a:lnT w="9525" cap="flat" cmpd="sng" algn="ctr">
-                      <a:solidFill>
-                        <a:srgbClr val="CCCCCC"/>
-                      </a:solidFill>
-                      <a:prstDash val="solid"/>
-                      <a:round/>
-                      <a:headEnd type="none" w="med" len="med"/>
-                      <a:tailEnd type="none" w="med" len="med"/>
-                    </a:lnT>
-                    <a:lnB w="9525" cap="flat" cmpd="sng" algn="ctr">
-                      <a:solidFill>
-                        <a:srgbClr val="CCCCCC"/>
-                      </a:solidFill>
-                      <a:prstDash val="solid"/>
-                      <a:round/>
-                      <a:headEnd type="none" w="med" len="med"/>
-                      <a:tailEnd type="none" w="med" len="med"/>
-                    </a:lnB>
-                  </a:tcPr>
-                </a:tc>
-                <a:extLst>
-                  <a:ext uri="{0D108BD9-81ED-4DB2-BD59-A6C34878D82A}">
-                    <a16:rowId xmlns:a16="http://schemas.microsoft.com/office/drawing/2014/main" val="895071692"/>
-                  </a:ext>
-                </a:extLst>
-              </a:tr>
-              <a:tr h="648940">
-                <a:tc>
-                  <a:txBody>
-                    <a:bodyPr/>
-                    <a:lstStyle/>
-                    <a:p>
-                      <a:pPr algn="ctr" rtl="0" fontAlgn="b"/>
-                      <a:r>
-                        <a:rPr lang="en-US" sz="1400">
-                          <a:effectLst/>
-                          <a:latin typeface="+mn-lt"/>
-                        </a:rPr>
-                        <a:t>Base</a:t>
-                      </a:r>
-                    </a:p>
-                  </a:txBody>
-                  <a:tcPr marL="28575" marR="28575" marT="19050" marB="19050" anchor="b">
-                    <a:lnL w="9525" cap="flat" cmpd="sng" algn="ctr">
-                      <a:solidFill>
-                        <a:srgbClr val="CCCCCC"/>
-                      </a:solidFill>
-                      <a:prstDash val="solid"/>
-                      <a:round/>
-                      <a:headEnd type="none" w="med" len="med"/>
-                      <a:tailEnd type="none" w="med" len="med"/>
-                    </a:lnL>
-                    <a:lnR w="9525" cap="flat" cmpd="sng" algn="ctr">
-                      <a:solidFill>
-                        <a:srgbClr val="CCCCCC"/>
-                      </a:solidFill>
-                      <a:prstDash val="solid"/>
-                      <a:round/>
-                      <a:headEnd type="none" w="med" len="med"/>
-                      <a:tailEnd type="none" w="med" len="med"/>
-                    </a:lnR>
-                    <a:lnT w="9525" cap="flat" cmpd="sng" algn="ctr">
-                      <a:solidFill>
-                        <a:srgbClr val="CCCCCC"/>
-                      </a:solidFill>
-                      <a:prstDash val="solid"/>
-                      <a:round/>
-                      <a:headEnd type="none" w="med" len="med"/>
-                      <a:tailEnd type="none" w="med" len="med"/>
-                    </a:lnT>
-                    <a:lnB w="9525" cap="flat" cmpd="sng" algn="ctr">
-                      <a:solidFill>
-                        <a:srgbClr val="CCCCCC"/>
-                      </a:solidFill>
-                      <a:prstDash val="solid"/>
-                      <a:round/>
-                      <a:headEnd type="none" w="med" len="med"/>
-                      <a:tailEnd type="none" w="med" len="med"/>
-                    </a:lnB>
-                  </a:tcPr>
-                </a:tc>
-                <a:tc>
-                  <a:txBody>
-                    <a:bodyPr/>
-                    <a:lstStyle/>
-                    <a:p>
-                      <a:pPr algn="ctr" rtl="0" fontAlgn="b"/>
-                      <a:r>
-                        <a:rPr lang="en-US" sz="1400">
-                          <a:effectLst/>
-                          <a:latin typeface="+mn-lt"/>
-                        </a:rPr>
-                        <a:t>Inception 32</a:t>
-                      </a:r>
-                    </a:p>
-                  </a:txBody>
-                  <a:tcPr marL="28575" marR="28575" marT="19050" marB="19050" anchor="b">
-                    <a:lnL w="9525" cap="flat" cmpd="sng" algn="ctr">
-                      <a:solidFill>
-                        <a:srgbClr val="CCCCCC"/>
-                      </a:solidFill>
-                      <a:prstDash val="solid"/>
-                      <a:round/>
-                      <a:headEnd type="none" w="med" len="med"/>
-                      <a:tailEnd type="none" w="med" len="med"/>
-                    </a:lnL>
-                    <a:lnR w="9525" cap="flat" cmpd="sng" algn="ctr">
-                      <a:solidFill>
-                        <a:srgbClr val="CCCCCC"/>
-                      </a:solidFill>
-                      <a:prstDash val="solid"/>
-                      <a:round/>
-                      <a:headEnd type="none" w="med" len="med"/>
-                      <a:tailEnd type="none" w="med" len="med"/>
-                    </a:lnR>
-                    <a:lnT w="9525" cap="flat" cmpd="sng" algn="ctr">
-                      <a:solidFill>
-                        <a:srgbClr val="CCCCCC"/>
-                      </a:solidFill>
-                      <a:prstDash val="solid"/>
-                      <a:round/>
-                      <a:headEnd type="none" w="med" len="med"/>
-                      <a:tailEnd type="none" w="med" len="med"/>
-                    </a:lnT>
-                    <a:lnB w="9525" cap="flat" cmpd="sng" algn="ctr">
-                      <a:solidFill>
-                        <a:srgbClr val="CCCCCC"/>
-                      </a:solidFill>
-                      <a:prstDash val="solid"/>
-                      <a:round/>
-                      <a:headEnd type="none" w="med" len="med"/>
-                      <a:tailEnd type="none" w="med" len="med"/>
-                    </a:lnB>
-                  </a:tcPr>
-                </a:tc>
-                <a:tc>
-                  <a:txBody>
-                    <a:bodyPr/>
-                    <a:lstStyle/>
-                    <a:p>
-                      <a:pPr algn="ctr" rtl="0" fontAlgn="b"/>
-                      <a:r>
-                        <a:rPr lang="en-US" sz="1400">
-                          <a:effectLst/>
-                          <a:latin typeface="+mn-lt"/>
-                        </a:rPr>
-                        <a:t>43816008</a:t>
-                      </a:r>
-                    </a:p>
-                  </a:txBody>
-                  <a:tcPr marL="28575" marR="28575" marT="19050" marB="19050" anchor="b">
-                    <a:lnL w="9525" cap="flat" cmpd="sng" algn="ctr">
-                      <a:solidFill>
-                        <a:srgbClr val="CCCCCC"/>
-                      </a:solidFill>
-                      <a:prstDash val="solid"/>
-                      <a:round/>
-                      <a:headEnd type="none" w="med" len="med"/>
-                      <a:tailEnd type="none" w="med" len="med"/>
-                    </a:lnL>
-                    <a:lnR w="9525" cap="flat" cmpd="sng" algn="ctr">
-                      <a:solidFill>
-                        <a:srgbClr val="CCCCCC"/>
-                      </a:solidFill>
-                      <a:prstDash val="solid"/>
-                      <a:round/>
-                      <a:headEnd type="none" w="med" len="med"/>
-                      <a:tailEnd type="none" w="med" len="med"/>
-                    </a:lnR>
-                    <a:lnT w="9525" cap="flat" cmpd="sng" algn="ctr">
-                      <a:solidFill>
-                        <a:srgbClr val="CCCCCC"/>
-                      </a:solidFill>
-                      <a:prstDash val="solid"/>
-                      <a:round/>
-                      <a:headEnd type="none" w="med" len="med"/>
-                      <a:tailEnd type="none" w="med" len="med"/>
-                    </a:lnT>
-                    <a:lnB w="9525" cap="flat" cmpd="sng" algn="ctr">
-                      <a:solidFill>
-                        <a:srgbClr val="CCCCCC"/>
-                      </a:solidFill>
-                      <a:prstDash val="solid"/>
-                      <a:round/>
-                      <a:headEnd type="none" w="med" len="med"/>
-                      <a:tailEnd type="none" w="med" len="med"/>
-                    </a:lnB>
-                  </a:tcPr>
-                </a:tc>
-                <a:tc>
-                  <a:txBody>
-                    <a:bodyPr/>
-                    <a:lstStyle/>
-                    <a:p>
-                      <a:pPr algn="ctr" rtl="0" fontAlgn="b"/>
-                      <a:r>
-                        <a:rPr lang="en-US" sz="1400">
-                          <a:effectLst/>
-                          <a:latin typeface="+mn-lt"/>
-                        </a:rPr>
-                        <a:t>74946</a:t>
-                      </a:r>
-                    </a:p>
-                  </a:txBody>
-                  <a:tcPr marL="28575" marR="28575" marT="19050" marB="19050" anchor="b">
-                    <a:lnL w="9525" cap="flat" cmpd="sng" algn="ctr">
-                      <a:solidFill>
-                        <a:srgbClr val="CCCCCC"/>
-                      </a:solidFill>
-                      <a:prstDash val="solid"/>
-                      <a:round/>
-                      <a:headEnd type="none" w="med" len="med"/>
-                      <a:tailEnd type="none" w="med" len="med"/>
-                    </a:lnL>
-                    <a:lnR w="9525" cap="flat" cmpd="sng" algn="ctr">
-                      <a:solidFill>
-                        <a:srgbClr val="CCCCCC"/>
-                      </a:solidFill>
-                      <a:prstDash val="solid"/>
-                      <a:round/>
-                      <a:headEnd type="none" w="med" len="med"/>
-                      <a:tailEnd type="none" w="med" len="med"/>
-                    </a:lnR>
-                    <a:lnT w="9525" cap="flat" cmpd="sng" algn="ctr">
-                      <a:solidFill>
-                        <a:srgbClr val="CCCCCC"/>
-                      </a:solidFill>
-                      <a:prstDash val="solid"/>
-                      <a:round/>
-                      <a:headEnd type="none" w="med" len="med"/>
-                      <a:tailEnd type="none" w="med" len="med"/>
-                    </a:lnT>
-                    <a:lnB w="9525" cap="flat" cmpd="sng" algn="ctr">
-                      <a:solidFill>
-                        <a:srgbClr val="CCCCCC"/>
-                      </a:solidFill>
-                      <a:prstDash val="solid"/>
-                      <a:round/>
-                      <a:headEnd type="none" w="med" len="med"/>
-                      <a:tailEnd type="none" w="med" len="med"/>
-                    </a:lnB>
-                  </a:tcPr>
-                </a:tc>
-                <a:tc>
-                  <a:txBody>
-                    <a:bodyPr/>
-                    <a:lstStyle/>
-                    <a:p>
-                      <a:pPr algn="ctr" rtl="0" fontAlgn="b"/>
-                      <a:r>
-                        <a:rPr lang="en-US" sz="1400" b="0">
-                          <a:solidFill>
-                            <a:srgbClr val="A61D4C"/>
-                          </a:solidFill>
-                          <a:effectLst/>
-                          <a:latin typeface="+mn-lt"/>
-                        </a:rPr>
-                        <a:t>0.05722428284</a:t>
-                      </a:r>
-                    </a:p>
-                  </a:txBody>
-                  <a:tcPr marL="28575" marR="28575" marT="19050" marB="19050" anchor="b">
-                    <a:lnL w="9525" cap="flat" cmpd="sng" algn="ctr">
-                      <a:solidFill>
-                        <a:srgbClr val="CCCCCC"/>
-                      </a:solidFill>
-                      <a:prstDash val="solid"/>
-                      <a:round/>
-                      <a:headEnd type="none" w="med" len="med"/>
-                      <a:tailEnd type="none" w="med" len="med"/>
-                    </a:lnL>
-                    <a:lnR w="9525" cap="flat" cmpd="sng" algn="ctr">
-                      <a:solidFill>
-                        <a:srgbClr val="CCCCCC"/>
-                      </a:solidFill>
-                      <a:prstDash val="solid"/>
-                      <a:round/>
-                      <a:headEnd type="none" w="med" len="med"/>
-                      <a:tailEnd type="none" w="med" len="med"/>
-                    </a:lnR>
-                    <a:lnT w="9525" cap="flat" cmpd="sng" algn="ctr">
-                      <a:solidFill>
-                        <a:srgbClr val="CCCCCC"/>
-                      </a:solidFill>
-                      <a:prstDash val="solid"/>
-                      <a:round/>
-                      <a:headEnd type="none" w="med" len="med"/>
-                      <a:tailEnd type="none" w="med" len="med"/>
-                    </a:lnT>
-                    <a:lnB w="9525" cap="flat" cmpd="sng" algn="ctr">
-                      <a:solidFill>
-                        <a:srgbClr val="CCCCCC"/>
-                      </a:solidFill>
-                      <a:prstDash val="solid"/>
-                      <a:round/>
-                      <a:headEnd type="none" w="med" len="med"/>
-                      <a:tailEnd type="none" w="med" len="med"/>
-                    </a:lnB>
-                    <a:solidFill>
-                      <a:srgbClr val="FFFFFF"/>
-                    </a:solidFill>
-                  </a:tcPr>
-                </a:tc>
-                <a:tc>
-                  <a:txBody>
-                    <a:bodyPr/>
-                    <a:lstStyle/>
-                    <a:p>
-                      <a:pPr algn="ctr" rtl="0" fontAlgn="b"/>
-                      <a:r>
-                        <a:rPr lang="en-US" sz="1400">
-                          <a:effectLst/>
-                          <a:latin typeface="+mn-lt"/>
-                        </a:rPr>
-                        <a:t>17.47509886</a:t>
-                      </a:r>
-                    </a:p>
-                  </a:txBody>
-                  <a:tcPr marL="28575" marR="28575" marT="19050" marB="19050" anchor="b">
-                    <a:lnL w="9525" cap="flat" cmpd="sng" algn="ctr">
-                      <a:solidFill>
-                        <a:srgbClr val="CCCCCC"/>
-                      </a:solidFill>
-                      <a:prstDash val="solid"/>
-                      <a:round/>
-                      <a:headEnd type="none" w="med" len="med"/>
-                      <a:tailEnd type="none" w="med" len="med"/>
-                    </a:lnL>
-                    <a:lnR w="9525" cap="flat" cmpd="sng" algn="ctr">
-                      <a:solidFill>
-                        <a:srgbClr val="CCCCCC"/>
-                      </a:solidFill>
-                      <a:prstDash val="solid"/>
-                      <a:round/>
-                      <a:headEnd type="none" w="med" len="med"/>
-                      <a:tailEnd type="none" w="med" len="med"/>
-                    </a:lnR>
-                    <a:lnT w="9525" cap="flat" cmpd="sng" algn="ctr">
-                      <a:solidFill>
-                        <a:srgbClr val="CCCCCC"/>
-                      </a:solidFill>
-                      <a:prstDash val="solid"/>
-                      <a:round/>
-                      <a:headEnd type="none" w="med" len="med"/>
-                      <a:tailEnd type="none" w="med" len="med"/>
-                    </a:lnT>
-                    <a:lnB w="9525" cap="flat" cmpd="sng" algn="ctr">
-                      <a:solidFill>
-                        <a:srgbClr val="CCCCCC"/>
-                      </a:solidFill>
-                      <a:prstDash val="solid"/>
-                      <a:round/>
-                      <a:headEnd type="none" w="med" len="med"/>
-                      <a:tailEnd type="none" w="med" len="med"/>
-                    </a:lnB>
-                  </a:tcPr>
-                </a:tc>
-                <a:extLst>
-                  <a:ext uri="{0D108BD9-81ED-4DB2-BD59-A6C34878D82A}">
-                    <a16:rowId xmlns:a16="http://schemas.microsoft.com/office/drawing/2014/main" val="3331384476"/>
-                  </a:ext>
-                </a:extLst>
-              </a:tr>
-              <a:tr h="648940">
-                <a:tc>
-                  <a:txBody>
-                    <a:bodyPr/>
-                    <a:lstStyle/>
-                    <a:p>
-                      <a:pPr algn="ctr" rtl="0" fontAlgn="b"/>
-                      <a:r>
-                        <a:rPr lang="en-US" sz="1400">
-                          <a:effectLst/>
-                          <a:latin typeface="+mn-lt"/>
-                        </a:rPr>
-                        <a:t>Smallest</a:t>
-                      </a:r>
-                    </a:p>
-                  </a:txBody>
-                  <a:tcPr marL="28575" marR="28575" marT="19050" marB="19050" anchor="b">
-                    <a:lnL w="9525" cap="flat" cmpd="sng" algn="ctr">
-                      <a:solidFill>
-                        <a:srgbClr val="CCCCCC"/>
-                      </a:solidFill>
-                      <a:prstDash val="solid"/>
-                      <a:round/>
-                      <a:headEnd type="none" w="med" len="med"/>
-                      <a:tailEnd type="none" w="med" len="med"/>
-                    </a:lnL>
-                    <a:lnR w="9525" cap="flat" cmpd="sng" algn="ctr">
-                      <a:solidFill>
-                        <a:srgbClr val="CCCCCC"/>
-                      </a:solidFill>
-                      <a:prstDash val="solid"/>
-                      <a:round/>
-                      <a:headEnd type="none" w="med" len="med"/>
-                      <a:tailEnd type="none" w="med" len="med"/>
-                    </a:lnR>
-                    <a:lnT w="9525" cap="flat" cmpd="sng" algn="ctr">
-                      <a:solidFill>
-                        <a:srgbClr val="CCCCCC"/>
-                      </a:solidFill>
-                      <a:prstDash val="solid"/>
-                      <a:round/>
-                      <a:headEnd type="none" w="med" len="med"/>
-                      <a:tailEnd type="none" w="med" len="med"/>
-                    </a:lnT>
-                    <a:lnB w="9525" cap="flat" cmpd="sng" algn="ctr">
-                      <a:solidFill>
-                        <a:srgbClr val="CCCCCC"/>
-                      </a:solidFill>
-                      <a:prstDash val="solid"/>
-                      <a:round/>
-                      <a:headEnd type="none" w="med" len="med"/>
-                      <a:tailEnd type="none" w="med" len="med"/>
-                    </a:lnB>
-                  </a:tcPr>
-                </a:tc>
-                <a:tc>
-                  <a:txBody>
-                    <a:bodyPr/>
-                    <a:lstStyle/>
-                    <a:p>
-                      <a:pPr algn="ctr" rtl="0" fontAlgn="b"/>
-                      <a:r>
-                        <a:rPr lang="en-US" sz="1400">
-                          <a:effectLst/>
-                          <a:latin typeface="+mn-lt"/>
-                        </a:rPr>
-                        <a:t>Inception 32</a:t>
-                      </a:r>
-                    </a:p>
-                  </a:txBody>
-                  <a:tcPr marL="28575" marR="28575" marT="19050" marB="19050" anchor="b">
-                    <a:lnL w="9525" cap="flat" cmpd="sng" algn="ctr">
-                      <a:solidFill>
-                        <a:srgbClr val="CCCCCC"/>
-                      </a:solidFill>
-                      <a:prstDash val="solid"/>
-                      <a:round/>
-                      <a:headEnd type="none" w="med" len="med"/>
-                      <a:tailEnd type="none" w="med" len="med"/>
-                    </a:lnL>
-                    <a:lnR w="9525" cap="flat" cmpd="sng" algn="ctr">
-                      <a:solidFill>
-                        <a:srgbClr val="CCCCCC"/>
-                      </a:solidFill>
-                      <a:prstDash val="solid"/>
-                      <a:round/>
-                      <a:headEnd type="none" w="med" len="med"/>
-                      <a:tailEnd type="none" w="med" len="med"/>
-                    </a:lnR>
-                    <a:lnT w="9525" cap="flat" cmpd="sng" algn="ctr">
-                      <a:solidFill>
-                        <a:srgbClr val="CCCCCC"/>
-                      </a:solidFill>
-                      <a:prstDash val="solid"/>
-                      <a:round/>
-                      <a:headEnd type="none" w="med" len="med"/>
-                      <a:tailEnd type="none" w="med" len="med"/>
-                    </a:lnT>
-                    <a:lnB w="9525" cap="flat" cmpd="sng" algn="ctr">
-                      <a:solidFill>
-                        <a:srgbClr val="CCCCCC"/>
-                      </a:solidFill>
-                      <a:prstDash val="solid"/>
-                      <a:round/>
-                      <a:headEnd type="none" w="med" len="med"/>
-                      <a:tailEnd type="none" w="med" len="med"/>
-                    </a:lnB>
-                  </a:tcPr>
-                </a:tc>
-                <a:tc>
-                  <a:txBody>
-                    <a:bodyPr/>
-                    <a:lstStyle/>
-                    <a:p>
-                      <a:pPr algn="ctr" rtl="0" fontAlgn="b"/>
-                      <a:r>
-                        <a:rPr lang="en-US" sz="1400">
-                          <a:effectLst/>
-                          <a:latin typeface="+mn-lt"/>
-                        </a:rPr>
-                        <a:t>13068840</a:t>
-                      </a:r>
-                    </a:p>
-                  </a:txBody>
-                  <a:tcPr marL="28575" marR="28575" marT="19050" marB="19050" anchor="b">
-                    <a:lnL w="9525" cap="flat" cmpd="sng" algn="ctr">
-                      <a:solidFill>
-                        <a:srgbClr val="CCCCCC"/>
-                      </a:solidFill>
-                      <a:prstDash val="solid"/>
-                      <a:round/>
-                      <a:headEnd type="none" w="med" len="med"/>
-                      <a:tailEnd type="none" w="med" len="med"/>
-                    </a:lnL>
-                    <a:lnR w="9525" cap="flat" cmpd="sng" algn="ctr">
-                      <a:solidFill>
-                        <a:srgbClr val="CCCCCC"/>
-                      </a:solidFill>
-                      <a:prstDash val="solid"/>
-                      <a:round/>
-                      <a:headEnd type="none" w="med" len="med"/>
-                      <a:tailEnd type="none" w="med" len="med"/>
-                    </a:lnR>
-                    <a:lnT w="9525" cap="flat" cmpd="sng" algn="ctr">
-                      <a:solidFill>
-                        <a:srgbClr val="CCCCCC"/>
-                      </a:solidFill>
-                      <a:prstDash val="solid"/>
-                      <a:round/>
-                      <a:headEnd type="none" w="med" len="med"/>
-                      <a:tailEnd type="none" w="med" len="med"/>
-                    </a:lnT>
-                    <a:lnB w="9525" cap="flat" cmpd="sng" algn="ctr">
-                      <a:solidFill>
-                        <a:srgbClr val="CCCCCC"/>
-                      </a:solidFill>
-                      <a:prstDash val="solid"/>
-                      <a:round/>
-                      <a:headEnd type="none" w="med" len="med"/>
-                      <a:tailEnd type="none" w="med" len="med"/>
-                    </a:lnB>
-                  </a:tcPr>
-                </a:tc>
-                <a:tc>
-                  <a:txBody>
-                    <a:bodyPr/>
-                    <a:lstStyle/>
-                    <a:p>
-                      <a:pPr algn="ctr" rtl="0" fontAlgn="b"/>
-                      <a:r>
-                        <a:rPr lang="en-US" sz="1400">
-                          <a:effectLst/>
-                          <a:latin typeface="+mn-lt"/>
-                        </a:rPr>
-                        <a:t>18960</a:t>
-                      </a:r>
-                    </a:p>
-                  </a:txBody>
-                  <a:tcPr marL="28575" marR="28575" marT="19050" marB="19050" anchor="b">
-                    <a:lnL w="9525" cap="flat" cmpd="sng" algn="ctr">
-                      <a:solidFill>
-                        <a:srgbClr val="CCCCCC"/>
-                      </a:solidFill>
-                      <a:prstDash val="solid"/>
-                      <a:round/>
-                      <a:headEnd type="none" w="med" len="med"/>
-                      <a:tailEnd type="none" w="med" len="med"/>
-                    </a:lnL>
-                    <a:lnR w="9525" cap="flat" cmpd="sng" algn="ctr">
-                      <a:solidFill>
-                        <a:srgbClr val="CCCCCC"/>
-                      </a:solidFill>
-                      <a:prstDash val="solid"/>
-                      <a:round/>
-                      <a:headEnd type="none" w="med" len="med"/>
-                      <a:tailEnd type="none" w="med" len="med"/>
-                    </a:lnR>
-                    <a:lnT w="9525" cap="flat" cmpd="sng" algn="ctr">
-                      <a:solidFill>
-                        <a:srgbClr val="CCCCCC"/>
-                      </a:solidFill>
-                      <a:prstDash val="solid"/>
-                      <a:round/>
-                      <a:headEnd type="none" w="med" len="med"/>
-                      <a:tailEnd type="none" w="med" len="med"/>
-                    </a:lnT>
-                    <a:lnB w="9525" cap="flat" cmpd="sng" algn="ctr">
-                      <a:solidFill>
-                        <a:srgbClr val="CCCCCC"/>
-                      </a:solidFill>
-                      <a:prstDash val="solid"/>
-                      <a:round/>
-                      <a:headEnd type="none" w="med" len="med"/>
-                      <a:tailEnd type="none" w="med" len="med"/>
-                    </a:lnB>
-                  </a:tcPr>
-                </a:tc>
-                <a:tc>
-                  <a:txBody>
-                    <a:bodyPr/>
-                    <a:lstStyle/>
-                    <a:p>
-                      <a:pPr algn="ctr" rtl="0" fontAlgn="b"/>
-                      <a:r>
-                        <a:rPr lang="en-US" sz="1400" b="0">
-                          <a:solidFill>
-                            <a:srgbClr val="A61D4C"/>
-                          </a:solidFill>
-                          <a:effectLst/>
-                          <a:latin typeface="+mn-lt"/>
-                        </a:rPr>
-                        <a:t>0.01570500748</a:t>
-                      </a:r>
-                    </a:p>
-                  </a:txBody>
-                  <a:tcPr marL="28575" marR="28575" marT="19050" marB="19050" anchor="b">
-                    <a:lnL w="9525" cap="flat" cmpd="sng" algn="ctr">
-                      <a:solidFill>
-                        <a:srgbClr val="CCCCCC"/>
-                      </a:solidFill>
-                      <a:prstDash val="solid"/>
-                      <a:round/>
-                      <a:headEnd type="none" w="med" len="med"/>
-                      <a:tailEnd type="none" w="med" len="med"/>
-                    </a:lnL>
-                    <a:lnR w="9525" cap="flat" cmpd="sng" algn="ctr">
-                      <a:solidFill>
-                        <a:srgbClr val="CCCCCC"/>
-                      </a:solidFill>
-                      <a:prstDash val="solid"/>
-                      <a:round/>
-                      <a:headEnd type="none" w="med" len="med"/>
-                      <a:tailEnd type="none" w="med" len="med"/>
-                    </a:lnR>
-                    <a:lnT w="9525" cap="flat" cmpd="sng" algn="ctr">
-                      <a:solidFill>
-                        <a:srgbClr val="CCCCCC"/>
-                      </a:solidFill>
-                      <a:prstDash val="solid"/>
-                      <a:round/>
-                      <a:headEnd type="none" w="med" len="med"/>
-                      <a:tailEnd type="none" w="med" len="med"/>
-                    </a:lnT>
-                    <a:lnB w="9525" cap="flat" cmpd="sng" algn="ctr">
-                      <a:solidFill>
-                        <a:srgbClr val="CCCCCC"/>
-                      </a:solidFill>
-                      <a:prstDash val="solid"/>
-                      <a:round/>
-                      <a:headEnd type="none" w="med" len="med"/>
-                      <a:tailEnd type="none" w="med" len="med"/>
-                    </a:lnB>
-                    <a:solidFill>
-                      <a:srgbClr val="FFFFFF"/>
-                    </a:solidFill>
-                  </a:tcPr>
-                </a:tc>
-                <a:tc>
-                  <a:txBody>
-                    <a:bodyPr/>
-                    <a:lstStyle/>
-                    <a:p>
-                      <a:pPr algn="ctr" rtl="0" fontAlgn="b"/>
-                      <a:r>
-                        <a:rPr lang="en-US" sz="1400" dirty="0">
-                          <a:effectLst/>
-                          <a:latin typeface="+mn-lt"/>
-                        </a:rPr>
-                        <a:t>63.67395887</a:t>
-                      </a:r>
-                    </a:p>
-                  </a:txBody>
-                  <a:tcPr marL="28575" marR="28575" marT="19050" marB="19050" anchor="b">
-                    <a:lnL w="9525" cap="flat" cmpd="sng" algn="ctr">
-                      <a:solidFill>
-                        <a:srgbClr val="CCCCCC"/>
-                      </a:solidFill>
-                      <a:prstDash val="solid"/>
-                      <a:round/>
-                      <a:headEnd type="none" w="med" len="med"/>
-                      <a:tailEnd type="none" w="med" len="med"/>
-                    </a:lnL>
-                    <a:lnR w="9525" cap="flat" cmpd="sng" algn="ctr">
-                      <a:solidFill>
-                        <a:srgbClr val="CCCCCC"/>
-                      </a:solidFill>
-                      <a:prstDash val="solid"/>
-                      <a:round/>
-                      <a:headEnd type="none" w="med" len="med"/>
-                      <a:tailEnd type="none" w="med" len="med"/>
-                    </a:lnR>
-                    <a:lnT w="9525" cap="flat" cmpd="sng" algn="ctr">
-                      <a:solidFill>
-                        <a:srgbClr val="CCCCCC"/>
-                      </a:solidFill>
-                      <a:prstDash val="solid"/>
-                      <a:round/>
-                      <a:headEnd type="none" w="med" len="med"/>
-                      <a:tailEnd type="none" w="med" len="med"/>
-                    </a:lnT>
-                    <a:lnB w="9525" cap="flat" cmpd="sng" algn="ctr">
-                      <a:solidFill>
-                        <a:srgbClr val="CCCCCC"/>
-                      </a:solidFill>
-                      <a:prstDash val="solid"/>
-                      <a:round/>
-                      <a:headEnd type="none" w="med" len="med"/>
-                      <a:tailEnd type="none" w="med" len="med"/>
-                    </a:lnB>
-                  </a:tcPr>
-                </a:tc>
-                <a:extLst>
-                  <a:ext uri="{0D108BD9-81ED-4DB2-BD59-A6C34878D82A}">
-                    <a16:rowId xmlns:a16="http://schemas.microsoft.com/office/drawing/2014/main" val="762633156"/>
-                  </a:ext>
-                </a:extLst>
-              </a:tr>
-            </a:tbl>
-          </a:graphicData>
-        </a:graphic>
-      </p:graphicFrame>
+          <p:cNvPicPr>
+            <a:picLocks noChangeAspect="1"/>
+          </p:cNvPicPr>
+          <p:nvPr/>
+        </p:nvPicPr>
+        <p:blipFill>
+          <a:blip r:embed="rId2"/>
+          <a:stretch>
+            <a:fillRect/>
+          </a:stretch>
+        </p:blipFill>
+        <p:spPr>
+          <a:xfrm>
+            <a:off x="4288644" y="2239764"/>
+            <a:ext cx="7515507" cy="3914455"/>
+          </a:xfrm>
+          <a:prstGeom prst="rect">
+            <a:avLst/>
+          </a:prstGeom>
+        </p:spPr>
+      </p:pic>
+      <p:sp>
+        <p:nvSpPr>
+          <p:cNvPr id="12" name="TextBox 11">
+            <a:extLst>
+              <a:ext uri="{FF2B5EF4-FFF2-40B4-BE49-F238E27FC236}">
+                <a16:creationId xmlns:a16="http://schemas.microsoft.com/office/drawing/2014/main" id="{0BE304BD-EEB3-43C2-9502-7376B51F3CAC}"/>
+              </a:ext>
+            </a:extLst>
+          </p:cNvPr>
+          <p:cNvSpPr txBox="1"/>
+          <p:nvPr/>
+        </p:nvSpPr>
+        <p:spPr>
+          <a:xfrm>
+            <a:off x="387849" y="1818525"/>
+            <a:ext cx="6097712" cy="4801314"/>
+          </a:xfrm>
+          <a:prstGeom prst="rect">
+            <a:avLst/>
+          </a:prstGeom>
+          <a:noFill/>
+        </p:spPr>
+        <p:txBody>
+          <a:bodyPr wrap="square">
+            <a:spAutoFit/>
+          </a:bodyPr>
+          <a:lstStyle/>
+          <a:p>
+            <a:pPr>
+              <a:buFont typeface="Wingdings" panose="05000000000000000000" pitchFamily="2" charset="2"/>
+              <a:buChar char="Ø"/>
+            </a:pPr>
+            <a:r>
+              <a:rPr lang="en-US" dirty="0" err="1"/>
+              <a:t>AaronNet_LARGE</a:t>
+            </a:r>
+            <a:endParaRPr lang="en-US" dirty="0"/>
+          </a:p>
+          <a:p>
+            <a:pPr lvl="1">
+              <a:buFont typeface="Wingdings" panose="05000000000000000000" pitchFamily="2" charset="2"/>
+              <a:buChar char="Ø"/>
+            </a:pPr>
+            <a:r>
+              <a:rPr lang="en-US" dirty="0"/>
+              <a:t> </a:t>
+            </a:r>
+            <a:r>
+              <a:rPr lang="en-US" dirty="0" err="1"/>
+              <a:t>AaronNet</a:t>
+            </a:r>
+            <a:r>
+              <a:rPr lang="en-US" dirty="0"/>
+              <a:t> with more filters</a:t>
+            </a:r>
+          </a:p>
+          <a:p>
+            <a:pPr lvl="1">
+              <a:buFont typeface="Wingdings" panose="05000000000000000000" pitchFamily="2" charset="2"/>
+              <a:buChar char="Ø"/>
+            </a:pPr>
+            <a:r>
+              <a:rPr lang="en-US" dirty="0"/>
+              <a:t> Accuracy = </a:t>
+            </a:r>
+            <a:r>
+              <a:rPr lang="en-US" b="1" dirty="0">
+                <a:solidFill>
+                  <a:srgbClr val="FF0000"/>
+                </a:solidFill>
+              </a:rPr>
+              <a:t>60.07%</a:t>
+            </a:r>
+          </a:p>
+          <a:p>
+            <a:pPr lvl="1">
+              <a:buFont typeface="Wingdings" panose="05000000000000000000" pitchFamily="2" charset="2"/>
+              <a:buChar char="Ø"/>
+            </a:pPr>
+            <a:r>
+              <a:rPr lang="en-US" dirty="0"/>
+              <a:t> </a:t>
+            </a:r>
+            <a:r>
+              <a:rPr lang="en-US" b="1" dirty="0">
+                <a:solidFill>
+                  <a:srgbClr val="FF0000"/>
+                </a:solidFill>
+              </a:rPr>
+              <a:t>23x</a:t>
+            </a:r>
+            <a:r>
+              <a:rPr lang="en-US" dirty="0"/>
+              <a:t> inference cost (</a:t>
+            </a:r>
+            <a:r>
+              <a:rPr lang="en-US" b="1" dirty="0"/>
+              <a:t>0.04320</a:t>
+            </a:r>
+            <a:r>
+              <a:rPr lang="en-US" dirty="0"/>
+              <a:t>)</a:t>
+            </a:r>
+          </a:p>
+          <a:p>
+            <a:pPr lvl="1">
+              <a:buFont typeface="Wingdings" panose="05000000000000000000" pitchFamily="2" charset="2"/>
+              <a:buChar char="Ø"/>
+            </a:pPr>
+            <a:endParaRPr lang="en-US" dirty="0"/>
+          </a:p>
+          <a:p>
+            <a:pPr>
+              <a:buFont typeface="Wingdings" panose="05000000000000000000" pitchFamily="2" charset="2"/>
+              <a:buChar char="Ø"/>
+            </a:pPr>
+            <a:r>
+              <a:rPr lang="en-US" dirty="0" err="1"/>
+              <a:t>AaronNet</a:t>
+            </a:r>
+            <a:endParaRPr lang="en-US" dirty="0"/>
+          </a:p>
+          <a:p>
+            <a:pPr lvl="1">
+              <a:buFont typeface="Wingdings" panose="05000000000000000000" pitchFamily="2" charset="2"/>
+              <a:buChar char="Ø"/>
+            </a:pPr>
+            <a:r>
+              <a:rPr lang="en-US" dirty="0"/>
+              <a:t> Base net used for pruning</a:t>
+            </a:r>
+          </a:p>
+          <a:p>
+            <a:pPr lvl="1">
+              <a:buFont typeface="Wingdings" panose="05000000000000000000" pitchFamily="2" charset="2"/>
+              <a:buChar char="Ø"/>
+            </a:pPr>
+            <a:r>
+              <a:rPr lang="en-US" dirty="0"/>
+              <a:t> Accuracy = </a:t>
+            </a:r>
+            <a:r>
+              <a:rPr lang="en-US" b="1" dirty="0">
+                <a:solidFill>
+                  <a:srgbClr val="FF0000"/>
+                </a:solidFill>
+              </a:rPr>
+              <a:t>58.48</a:t>
+            </a:r>
+          </a:p>
+          <a:p>
+            <a:pPr lvl="1">
+              <a:buFont typeface="Wingdings" panose="05000000000000000000" pitchFamily="2" charset="2"/>
+              <a:buChar char="Ø"/>
+            </a:pPr>
+            <a:r>
+              <a:rPr lang="en-US" dirty="0"/>
+              <a:t> </a:t>
+            </a:r>
+            <a:r>
+              <a:rPr lang="en-US" b="1" dirty="0">
+                <a:solidFill>
+                  <a:srgbClr val="FF0000"/>
+                </a:solidFill>
+              </a:rPr>
+              <a:t>17x</a:t>
+            </a:r>
+            <a:r>
+              <a:rPr lang="en-US" dirty="0"/>
+              <a:t> inference cost </a:t>
+            </a:r>
+            <a:r>
+              <a:rPr lang="en-US" b="1" dirty="0"/>
+              <a:t>(0.05722</a:t>
+            </a:r>
+            <a:r>
+              <a:rPr lang="en-US" dirty="0"/>
+              <a:t>)</a:t>
+            </a:r>
+          </a:p>
+          <a:p>
+            <a:pPr lvl="1">
+              <a:buFont typeface="Wingdings" panose="05000000000000000000" pitchFamily="2" charset="2"/>
+              <a:buChar char="Ø"/>
+            </a:pPr>
+            <a:endParaRPr lang="en-US" dirty="0"/>
+          </a:p>
+          <a:p>
+            <a:pPr>
+              <a:buFont typeface="Wingdings" panose="05000000000000000000" pitchFamily="2" charset="2"/>
+              <a:buChar char="Ø"/>
+            </a:pPr>
+            <a:r>
+              <a:rPr lang="en-US" dirty="0" err="1"/>
+              <a:t>AaronNet_SMALL</a:t>
+            </a:r>
+            <a:endParaRPr lang="en-US" dirty="0"/>
+          </a:p>
+          <a:p>
+            <a:pPr lvl="1">
+              <a:buFont typeface="Wingdings" panose="05000000000000000000" pitchFamily="2" charset="2"/>
+              <a:buChar char="Ø"/>
+            </a:pPr>
+            <a:r>
+              <a:rPr lang="en-US" dirty="0"/>
+              <a:t> Pruned </a:t>
+            </a:r>
+            <a:r>
+              <a:rPr lang="en-US" dirty="0" err="1"/>
+              <a:t>AaronNet</a:t>
+            </a:r>
+            <a:endParaRPr lang="en-US" dirty="0"/>
+          </a:p>
+          <a:p>
+            <a:pPr lvl="1">
+              <a:buFont typeface="Wingdings" panose="05000000000000000000" pitchFamily="2" charset="2"/>
+              <a:buChar char="Ø"/>
+            </a:pPr>
+            <a:r>
+              <a:rPr lang="en-US" dirty="0"/>
+              <a:t> Acceptable accuracy </a:t>
+            </a:r>
+            <a:r>
+              <a:rPr lang="en-US" b="1" dirty="0">
+                <a:solidFill>
+                  <a:srgbClr val="FF0000"/>
+                </a:solidFill>
+              </a:rPr>
+              <a:t>56.07%</a:t>
+            </a:r>
+          </a:p>
+          <a:p>
+            <a:pPr lvl="1">
+              <a:buFont typeface="Wingdings" panose="05000000000000000000" pitchFamily="2" charset="2"/>
+              <a:buChar char="Ø"/>
+            </a:pPr>
+            <a:r>
+              <a:rPr lang="en-US" dirty="0"/>
+              <a:t> </a:t>
+            </a:r>
+            <a:r>
+              <a:rPr lang="en-US" b="1" dirty="0">
+                <a:solidFill>
+                  <a:srgbClr val="FF0000"/>
+                </a:solidFill>
+              </a:rPr>
+              <a:t>64x</a:t>
+            </a:r>
+            <a:r>
+              <a:rPr lang="en-US" dirty="0"/>
+              <a:t> inference cost (</a:t>
+            </a:r>
+            <a:r>
+              <a:rPr lang="en-US" b="1" dirty="0"/>
+              <a:t>0.01539</a:t>
+            </a:r>
+            <a:r>
+              <a:rPr lang="en-US" dirty="0"/>
+              <a:t>)</a:t>
+            </a:r>
+          </a:p>
+          <a:p>
+            <a:pPr>
+              <a:buFont typeface="Wingdings" panose="05000000000000000000" pitchFamily="2" charset="2"/>
+              <a:buChar char="Ø"/>
+            </a:pPr>
+            <a:endParaRPr lang="en-US" dirty="0"/>
+          </a:p>
+          <a:p>
+            <a:pPr>
+              <a:buFont typeface="Wingdings" panose="05000000000000000000" pitchFamily="2" charset="2"/>
+              <a:buChar char="Ø"/>
+            </a:pPr>
+            <a:r>
+              <a:rPr lang="en-US" dirty="0"/>
+              <a:t>Using </a:t>
+            </a:r>
+            <a:r>
+              <a:rPr lang="en-US" b="1" dirty="0"/>
+              <a:t>A6000 RTX GPU </a:t>
+            </a:r>
+            <a:r>
+              <a:rPr lang="en-US" dirty="0"/>
+              <a:t>(</a:t>
+            </a:r>
+            <a:r>
+              <a:rPr lang="en-US" dirty="0" err="1"/>
+              <a:t>LambdaLabs</a:t>
+            </a:r>
+            <a:r>
+              <a:rPr lang="en-US" dirty="0"/>
+              <a:t>)</a:t>
+            </a:r>
+          </a:p>
+          <a:p>
+            <a:r>
+              <a:rPr lang="en-US" dirty="0"/>
+              <a:t> </a:t>
+            </a:r>
+          </a:p>
+        </p:txBody>
+      </p:sp>
+      <p:sp>
+        <p:nvSpPr>
+          <p:cNvPr id="4" name="Slide Number Placeholder 3">
+            <a:extLst>
+              <a:ext uri="{FF2B5EF4-FFF2-40B4-BE49-F238E27FC236}">
+                <a16:creationId xmlns:a16="http://schemas.microsoft.com/office/drawing/2014/main" id="{C0FDA91A-984D-401C-9287-E0B4C6697A76}"/>
+              </a:ext>
+            </a:extLst>
+          </p:cNvPr>
+          <p:cNvSpPr>
+            <a:spLocks noGrp="1"/>
+          </p:cNvSpPr>
+          <p:nvPr>
+            <p:ph type="sldNum" sz="quarter" idx="12"/>
+          </p:nvPr>
+        </p:nvSpPr>
+        <p:spPr/>
+        <p:txBody>
+          <a:bodyPr/>
+          <a:lstStyle/>
+          <a:p>
+            <a:fld id="{6D22F896-40B5-4ADD-8801-0D06FADFA095}" type="slidenum">
+              <a:rPr lang="en-US" smtClean="0"/>
+              <a:t>12</a:t>
+            </a:fld>
+            <a:endParaRPr lang="en-US" dirty="0"/>
+          </a:p>
+        </p:txBody>
+      </p:sp>
     </p:spTree>
     <p:extLst>
       <p:ext uri="{BB962C8B-B14F-4D97-AF65-F5344CB8AC3E}">
-        <p14:creationId xmlns:p14="http://schemas.microsoft.com/office/powerpoint/2010/main" val="1365837868"/>
+        <p14:creationId xmlns:p14="http://schemas.microsoft.com/office/powerpoint/2010/main" val="2457383506"/>
       </p:ext>
     </p:extLst>
   </p:cSld>
@@ -7932,6 +6500,35 @@
           </a:p>
         </p:txBody>
       </p:sp>
+      <p:sp>
+        <p:nvSpPr>
+          <p:cNvPr id="6" name="Slide Number Placeholder 5">
+            <a:extLst>
+              <a:ext uri="{FF2B5EF4-FFF2-40B4-BE49-F238E27FC236}">
+                <a16:creationId xmlns:a16="http://schemas.microsoft.com/office/drawing/2014/main" id="{3575B589-A892-4187-8D14-FBCE208E4C5D}"/>
+              </a:ext>
+            </a:extLst>
+          </p:cNvPr>
+          <p:cNvSpPr>
+            <a:spLocks noGrp="1"/>
+          </p:cNvSpPr>
+          <p:nvPr>
+            <p:ph type="sldNum" sz="quarter" idx="12"/>
+          </p:nvPr>
+        </p:nvSpPr>
+        <p:spPr/>
+        <p:txBody>
+          <a:bodyPr/>
+          <a:lstStyle/>
+          <a:p>
+            <a:fld id="{6D22F896-40B5-4ADD-8801-0D06FADFA095}" type="slidenum">
+              <a:rPr lang="en-US" smtClean="0"/>
+              <a:t>13</a:t>
+            </a:fld>
+            <a:endParaRPr lang="en-US" dirty="0"/>
+          </a:p>
+        </p:txBody>
+      </p:sp>
     </p:spTree>
     <p:extLst>
       <p:ext uri="{BB962C8B-B14F-4D97-AF65-F5344CB8AC3E}">
@@ -8420,6 +7017,35 @@
           </a:fontRef>
         </p:style>
       </p:sp>
+      <p:sp>
+        <p:nvSpPr>
+          <p:cNvPr id="5" name="Slide Number Placeholder 4">
+            <a:extLst>
+              <a:ext uri="{FF2B5EF4-FFF2-40B4-BE49-F238E27FC236}">
+                <a16:creationId xmlns:a16="http://schemas.microsoft.com/office/drawing/2014/main" id="{01E9FC54-D047-4C82-AED0-9D3A50D4D2B6}"/>
+              </a:ext>
+            </a:extLst>
+          </p:cNvPr>
+          <p:cNvSpPr>
+            <a:spLocks noGrp="1"/>
+          </p:cNvSpPr>
+          <p:nvPr>
+            <p:ph type="sldNum" sz="quarter" idx="12"/>
+          </p:nvPr>
+        </p:nvSpPr>
+        <p:spPr/>
+        <p:txBody>
+          <a:bodyPr/>
+          <a:lstStyle/>
+          <a:p>
+            <a:fld id="{6D22F896-40B5-4ADD-8801-0D06FADFA095}" type="slidenum">
+              <a:rPr lang="en-US" smtClean="0"/>
+              <a:t>2</a:t>
+            </a:fld>
+            <a:endParaRPr lang="en-US" dirty="0"/>
+          </a:p>
+        </p:txBody>
+      </p:sp>
     </p:spTree>
     <p:extLst>
       <p:ext uri="{BB962C8B-B14F-4D97-AF65-F5344CB8AC3E}">
@@ -8638,6 +7264,35 @@
           </a:prstGeom>
         </p:spPr>
       </p:pic>
+      <p:sp>
+        <p:nvSpPr>
+          <p:cNvPr id="7" name="Slide Number Placeholder 6">
+            <a:extLst>
+              <a:ext uri="{FF2B5EF4-FFF2-40B4-BE49-F238E27FC236}">
+                <a16:creationId xmlns:a16="http://schemas.microsoft.com/office/drawing/2014/main" id="{8F2DBD08-48D0-4E14-AFA3-4B643BAC2F8A}"/>
+              </a:ext>
+            </a:extLst>
+          </p:cNvPr>
+          <p:cNvSpPr>
+            <a:spLocks noGrp="1"/>
+          </p:cNvSpPr>
+          <p:nvPr>
+            <p:ph type="sldNum" sz="quarter" idx="12"/>
+          </p:nvPr>
+        </p:nvSpPr>
+        <p:spPr/>
+        <p:txBody>
+          <a:bodyPr/>
+          <a:lstStyle/>
+          <a:p>
+            <a:fld id="{6D22F896-40B5-4ADD-8801-0D06FADFA095}" type="slidenum">
+              <a:rPr lang="en-US" smtClean="0"/>
+              <a:t>3</a:t>
+            </a:fld>
+            <a:endParaRPr lang="en-US" dirty="0"/>
+          </a:p>
+        </p:txBody>
+      </p:sp>
     </p:spTree>
     <p:extLst>
       <p:ext uri="{BB962C8B-B14F-4D97-AF65-F5344CB8AC3E}">
@@ -8882,6 +7537,35 @@
           </a:extLst>
         </p:spPr>
       </p:pic>
+      <p:sp>
+        <p:nvSpPr>
+          <p:cNvPr id="5" name="Slide Number Placeholder 4">
+            <a:extLst>
+              <a:ext uri="{FF2B5EF4-FFF2-40B4-BE49-F238E27FC236}">
+                <a16:creationId xmlns:a16="http://schemas.microsoft.com/office/drawing/2014/main" id="{C94F9EE6-85AD-468C-8206-EBEEA68FA21F}"/>
+              </a:ext>
+            </a:extLst>
+          </p:cNvPr>
+          <p:cNvSpPr>
+            <a:spLocks noGrp="1"/>
+          </p:cNvSpPr>
+          <p:nvPr>
+            <p:ph type="sldNum" sz="quarter" idx="12"/>
+          </p:nvPr>
+        </p:nvSpPr>
+        <p:spPr/>
+        <p:txBody>
+          <a:bodyPr/>
+          <a:lstStyle/>
+          <a:p>
+            <a:fld id="{6D22F896-40B5-4ADD-8801-0D06FADFA095}" type="slidenum">
+              <a:rPr lang="en-US" smtClean="0"/>
+              <a:t>4</a:t>
+            </a:fld>
+            <a:endParaRPr lang="en-US" dirty="0"/>
+          </a:p>
+        </p:txBody>
+      </p:sp>
     </p:spTree>
     <p:extLst>
       <p:ext uri="{BB962C8B-B14F-4D97-AF65-F5344CB8AC3E}">
@@ -8967,6 +7651,9 @@
             </a:r>
           </a:p>
           <a:p>
+            <a:endParaRPr lang="en-US" dirty="0"/>
+          </a:p>
+          <a:p>
             <a:r>
               <a:rPr lang="en-US" dirty="0"/>
               <a:t>Hardware implementation performance indexes:</a:t>
@@ -8994,13 +7681,8 @@
             </a:r>
           </a:p>
           <a:p>
-            <a:pPr marL="0" indent="0">
-              <a:buNone/>
-            </a:pPr>
-            <a:r>
-              <a:rPr lang="en-US" dirty="0"/>
-              <a:t>Inference Cost:</a:t>
-            </a:r>
+            <a:pPr lvl="1"/>
+            <a:endParaRPr lang="en-US" dirty="0"/>
           </a:p>
         </p:txBody>
       </p:sp>
@@ -9026,7 +7708,7 @@
         </p:blipFill>
         <p:spPr>
           <a:xfrm>
-            <a:off x="5814189" y="4273194"/>
+            <a:off x="6126480" y="4955497"/>
             <a:ext cx="4848397" cy="1187984"/>
           </a:xfrm>
           <a:prstGeom prst="rect">
@@ -9056,8 +7738,67 @@
         </p:blipFill>
         <p:spPr>
           <a:xfrm>
-            <a:off x="1097280" y="4245231"/>
+            <a:off x="1097280" y="4864099"/>
             <a:ext cx="4223816" cy="1215947"/>
+          </a:xfrm>
+          <a:prstGeom prst="rect">
+            <a:avLst/>
+          </a:prstGeom>
+        </p:spPr>
+      </p:pic>
+      <p:sp>
+        <p:nvSpPr>
+          <p:cNvPr id="7" name="Slide Number Placeholder 6">
+            <a:extLst>
+              <a:ext uri="{FF2B5EF4-FFF2-40B4-BE49-F238E27FC236}">
+                <a16:creationId xmlns:a16="http://schemas.microsoft.com/office/drawing/2014/main" id="{587D2B63-72EC-47DD-AFD0-4BFC4999BFF1}"/>
+              </a:ext>
+            </a:extLst>
+          </p:cNvPr>
+          <p:cNvSpPr>
+            <a:spLocks noGrp="1"/>
+          </p:cNvSpPr>
+          <p:nvPr>
+            <p:ph type="sldNum" sz="quarter" idx="12"/>
+          </p:nvPr>
+        </p:nvSpPr>
+        <p:spPr/>
+        <p:txBody>
+          <a:bodyPr/>
+          <a:lstStyle/>
+          <a:p>
+            <a:fld id="{6D22F896-40B5-4ADD-8801-0D06FADFA095}" type="slidenum">
+              <a:rPr lang="en-US" smtClean="0"/>
+              <a:t>5</a:t>
+            </a:fld>
+            <a:endParaRPr lang="en-US" dirty="0"/>
+          </a:p>
+        </p:txBody>
+      </p:sp>
+      <p:pic>
+        <p:nvPicPr>
+          <p:cNvPr id="9" name="Picture 8">
+            <a:extLst>
+              <a:ext uri="{FF2B5EF4-FFF2-40B4-BE49-F238E27FC236}">
+                <a16:creationId xmlns:a16="http://schemas.microsoft.com/office/drawing/2014/main" id="{4A2603CC-44C4-4B23-B254-F38197B9A1E5}"/>
+              </a:ext>
+            </a:extLst>
+          </p:cNvPr>
+          <p:cNvPicPr>
+            <a:picLocks noChangeAspect="1"/>
+          </p:cNvPicPr>
+          <p:nvPr/>
+        </p:nvPicPr>
+        <p:blipFill>
+          <a:blip r:embed="rId4"/>
+          <a:stretch>
+            <a:fillRect/>
+          </a:stretch>
+        </p:blipFill>
+        <p:spPr>
+          <a:xfrm>
+            <a:off x="6380636" y="2665008"/>
+            <a:ext cx="5268137" cy="1699798"/>
           </a:xfrm>
           <a:prstGeom prst="rect">
             <a:avLst/>
@@ -9361,6 +8102,35 @@
           </a:prstGeom>
         </p:spPr>
       </p:pic>
+      <p:sp>
+        <p:nvSpPr>
+          <p:cNvPr id="5" name="Slide Number Placeholder 4">
+            <a:extLst>
+              <a:ext uri="{FF2B5EF4-FFF2-40B4-BE49-F238E27FC236}">
+                <a16:creationId xmlns:a16="http://schemas.microsoft.com/office/drawing/2014/main" id="{FE843007-D160-43F1-968F-BCF3DF362EE6}"/>
+              </a:ext>
+            </a:extLst>
+          </p:cNvPr>
+          <p:cNvSpPr>
+            <a:spLocks noGrp="1"/>
+          </p:cNvSpPr>
+          <p:nvPr>
+            <p:ph type="sldNum" sz="quarter" idx="12"/>
+          </p:nvPr>
+        </p:nvSpPr>
+        <p:spPr/>
+        <p:txBody>
+          <a:bodyPr/>
+          <a:lstStyle/>
+          <a:p>
+            <a:fld id="{6D22F896-40B5-4ADD-8801-0D06FADFA095}" type="slidenum">
+              <a:rPr lang="en-US" smtClean="0"/>
+              <a:t>6</a:t>
+            </a:fld>
+            <a:endParaRPr lang="en-US" dirty="0"/>
+          </a:p>
+        </p:txBody>
+      </p:sp>
     </p:spTree>
     <p:extLst>
       <p:ext uri="{BB962C8B-B14F-4D97-AF65-F5344CB8AC3E}">
@@ -9495,31 +8265,23 @@
             <a:endParaRPr lang="en-US" dirty="0"/>
           </a:p>
           <a:p>
+            <a:pPr marL="201168" lvl="1" indent="0">
+              <a:buNone/>
+            </a:pPr>
+            <a:r>
+              <a:rPr lang="en-US" b="1" dirty="0" err="1"/>
+              <a:t>MobileNet</a:t>
+            </a:r>
+            <a:endParaRPr lang="en-US" b="1" dirty="0"/>
+          </a:p>
+          <a:p>
             <a:pPr>
               <a:buFont typeface="Wingdings" panose="05000000000000000000" pitchFamily="2" charset="2"/>
               <a:buChar char="§"/>
             </a:pPr>
             <a:r>
               <a:rPr lang="en-US" dirty="0"/>
-              <a:t> </a:t>
-            </a:r>
-            <a:r>
-              <a:rPr lang="en-US" dirty="0" err="1"/>
-              <a:t>MobileNet</a:t>
-            </a:r>
-            <a:r>
-              <a:rPr lang="en-US" dirty="0"/>
-              <a:t>:</a:t>
-            </a:r>
-          </a:p>
-          <a:p>
-            <a:pPr lvl="1">
-              <a:buFont typeface="Wingdings" panose="05000000000000000000" pitchFamily="2" charset="2"/>
-              <a:buChar char="§"/>
-            </a:pPr>
-            <a:r>
-              <a:rPr lang="en-US" dirty="0"/>
-              <a:t>Pointwise and </a:t>
+              <a:t> Pointwise and </a:t>
             </a:r>
             <a:r>
               <a:rPr lang="en-US" dirty="0" err="1"/>
@@ -9537,7 +8299,29 @@
             </a:pPr>
             <a:r>
               <a:rPr lang="en-US" dirty="0"/>
-              <a:t>XXX PROS</a:t>
+              <a:t>Reducing the number of multiplications</a:t>
+            </a:r>
+          </a:p>
+          <a:p>
+            <a:pPr lvl="1">
+              <a:buFont typeface="Wingdings" panose="05000000000000000000" pitchFamily="2" charset="2"/>
+              <a:buChar char="§"/>
+            </a:pPr>
+            <a:r>
+              <a:rPr lang="en-US" dirty="0"/>
+              <a:t>More </a:t>
+            </a:r>
+            <a:r>
+              <a:rPr lang="en-US" b="1" dirty="0"/>
+              <a:t>processing power </a:t>
+            </a:r>
+            <a:r>
+              <a:rPr lang="en-US" dirty="0"/>
+              <a:t>in </a:t>
+            </a:r>
+            <a:r>
+              <a:rPr lang="en-US" b="1" dirty="0"/>
+              <a:t>shorter time</a:t>
             </a:r>
           </a:p>
           <a:p>
@@ -9603,6 +8387,35 @@
           </a:extLst>
         </p:spPr>
       </p:pic>
+      <p:sp>
+        <p:nvSpPr>
+          <p:cNvPr id="5" name="Slide Number Placeholder 4">
+            <a:extLst>
+              <a:ext uri="{FF2B5EF4-FFF2-40B4-BE49-F238E27FC236}">
+                <a16:creationId xmlns:a16="http://schemas.microsoft.com/office/drawing/2014/main" id="{A8E715FD-B778-4967-AE51-EFAE44629622}"/>
+              </a:ext>
+            </a:extLst>
+          </p:cNvPr>
+          <p:cNvSpPr>
+            <a:spLocks noGrp="1"/>
+          </p:cNvSpPr>
+          <p:nvPr>
+            <p:ph type="sldNum" sz="quarter" idx="12"/>
+          </p:nvPr>
+        </p:nvSpPr>
+        <p:spPr/>
+        <p:txBody>
+          <a:bodyPr/>
+          <a:lstStyle/>
+          <a:p>
+            <a:fld id="{6D22F896-40B5-4ADD-8801-0D06FADFA095}" type="slidenum">
+              <a:rPr lang="en-US" smtClean="0"/>
+              <a:t>7</a:t>
+            </a:fld>
+            <a:endParaRPr lang="en-US" dirty="0"/>
+          </a:p>
+        </p:txBody>
+      </p:sp>
     </p:spTree>
     <p:extLst>
       <p:ext uri="{BB962C8B-B14F-4D97-AF65-F5344CB8AC3E}">
@@ -9679,7 +8492,9 @@
         </p:nvSpPr>
         <p:spPr/>
         <p:txBody>
-          <a:bodyPr/>
+          <a:bodyPr>
+            <a:normAutofit lnSpcReduction="10000"/>
+          </a:bodyPr>
           <a:lstStyle/>
           <a:p>
             <a:r>
@@ -9696,19 +8511,67 @@
             </a:r>
           </a:p>
           <a:p>
+            <a:r>
+              <a:rPr lang="en-US" dirty="0"/>
+              <a:t>Minimum final accuracy: 56%</a:t>
+            </a:r>
+          </a:p>
+          <a:p>
             <a:pPr marL="0" indent="0">
               <a:buNone/>
             </a:pPr>
             <a:endParaRPr lang="en-US" dirty="0"/>
           </a:p>
           <a:p>
+            <a:pPr marL="0" indent="0">
+              <a:buNone/>
+            </a:pPr>
+            <a:endParaRPr lang="en-US" dirty="0"/>
+          </a:p>
+          <a:p>
             <a:pPr>
               <a:buFont typeface="Wingdings" panose="05000000000000000000" pitchFamily="2" charset="2"/>
               <a:buChar char="§"/>
             </a:pPr>
             <a:r>
               <a:rPr lang="en-US" dirty="0"/>
-              <a:t> Our solution: </a:t>
+              <a:t> Solutions of </a:t>
+            </a:r>
+            <a:r>
+              <a:rPr lang="en-US" dirty="0" err="1"/>
+              <a:t>Aaronica</a:t>
+            </a:r>
+            <a:r>
+              <a:rPr lang="en-US" dirty="0"/>
+              <a:t> Team </a:t>
+            </a:r>
+          </a:p>
+          <a:p>
+            <a:pPr>
+              <a:buFont typeface="Wingdings" panose="05000000000000000000" pitchFamily="2" charset="2"/>
+              <a:buChar char="§"/>
+            </a:pPr>
+            <a:r>
+              <a:rPr lang="en-US" dirty="0"/>
+              <a:t> Initial round: Pruning </a:t>
+            </a:r>
+            <a:r>
+              <a:rPr lang="en-US" dirty="0" err="1"/>
+              <a:t>MobileNet</a:t>
+            </a:r>
+            <a:r>
+              <a:rPr lang="en-US" dirty="0"/>
+              <a:t> </a:t>
+            </a:r>
+          </a:p>
+          <a:p>
+            <a:pPr>
+              <a:buFont typeface="Wingdings" panose="05000000000000000000" pitchFamily="2" charset="2"/>
+              <a:buChar char="§"/>
+            </a:pPr>
+            <a:r>
+              <a:rPr lang="en-US" dirty="0"/>
+              <a:t> Final round: Designing </a:t>
             </a:r>
             <a:r>
               <a:rPr lang="en-US" dirty="0" err="1"/>
@@ -9780,8 +8643,8 @@
         </p:blipFill>
         <p:spPr bwMode="auto">
           <a:xfrm>
-            <a:off x="7078895" y="2521449"/>
-            <a:ext cx="3048000" cy="3048000"/>
+            <a:off x="8443132" y="2784297"/>
+            <a:ext cx="2651588" cy="2651588"/>
           </a:xfrm>
           <a:prstGeom prst="rect">
             <a:avLst/>
@@ -9798,6 +8661,35 @@
           </a:extLst>
         </p:spPr>
       </p:pic>
+      <p:sp>
+        <p:nvSpPr>
+          <p:cNvPr id="5" name="Slide Number Placeholder 4">
+            <a:extLst>
+              <a:ext uri="{FF2B5EF4-FFF2-40B4-BE49-F238E27FC236}">
+                <a16:creationId xmlns:a16="http://schemas.microsoft.com/office/drawing/2014/main" id="{E640C2A5-31C2-4A70-BEA5-2687A578868B}"/>
+              </a:ext>
+            </a:extLst>
+          </p:cNvPr>
+          <p:cNvSpPr>
+            <a:spLocks noGrp="1"/>
+          </p:cNvSpPr>
+          <p:nvPr>
+            <p:ph type="sldNum" sz="quarter" idx="12"/>
+          </p:nvPr>
+        </p:nvSpPr>
+        <p:spPr/>
+        <p:txBody>
+          <a:bodyPr/>
+          <a:lstStyle/>
+          <a:p>
+            <a:fld id="{6D22F896-40B5-4ADD-8801-0D06FADFA095}" type="slidenum">
+              <a:rPr lang="en-US" smtClean="0"/>
+              <a:t>8</a:t>
+            </a:fld>
+            <a:endParaRPr lang="en-US" dirty="0"/>
+          </a:p>
+        </p:txBody>
+      </p:sp>
     </p:spTree>
     <p:extLst>
       <p:ext uri="{BB962C8B-B14F-4D97-AF65-F5344CB8AC3E}">
@@ -9964,6 +8856,35 @@
           </a:prstGeom>
         </p:spPr>
       </p:pic>
+      <p:sp>
+        <p:nvSpPr>
+          <p:cNvPr id="7" name="Slide Number Placeholder 6">
+            <a:extLst>
+              <a:ext uri="{FF2B5EF4-FFF2-40B4-BE49-F238E27FC236}">
+                <a16:creationId xmlns:a16="http://schemas.microsoft.com/office/drawing/2014/main" id="{A14E269C-AC4F-4562-A80D-0CA1A371627E}"/>
+              </a:ext>
+            </a:extLst>
+          </p:cNvPr>
+          <p:cNvSpPr>
+            <a:spLocks noGrp="1"/>
+          </p:cNvSpPr>
+          <p:nvPr>
+            <p:ph type="sldNum" sz="quarter" idx="12"/>
+          </p:nvPr>
+        </p:nvSpPr>
+        <p:spPr/>
+        <p:txBody>
+          <a:bodyPr/>
+          <a:lstStyle/>
+          <a:p>
+            <a:fld id="{6D22F896-40B5-4ADD-8801-0D06FADFA095}" type="slidenum">
+              <a:rPr lang="en-US" smtClean="0"/>
+              <a:t>9</a:t>
+            </a:fld>
+            <a:endParaRPr lang="en-US" dirty="0"/>
+          </a:p>
+        </p:txBody>
+      </p:sp>
     </p:spTree>
     <p:extLst>
       <p:ext uri="{BB962C8B-B14F-4D97-AF65-F5344CB8AC3E}">
@@ -10851,6 +9772,14 @@
 </file>
 
 <file path=customXml/item1.xml><?xml version="1.0" encoding="utf-8"?>
+<p:properties xmlns:p="http://schemas.microsoft.com/office/2006/metadata/properties" xmlns:xsi="http://www.w3.org/2001/XMLSchema-instance" xmlns:pc="http://schemas.microsoft.com/office/infopath/2007/PartnerControls">
+  <documentManagement>
+    <MediaServiceKeyPoints xmlns="71af3243-3dd4-4a8d-8c0d-dd76da1f02a5" xsi:nil="true"/>
+  </documentManagement>
+</p:properties>
+</file>
+
+<file path=customXml/item2.xml><?xml version="1.0" encoding="utf-8"?>
 <ct:contentTypeSchema xmlns:ct="http://schemas.microsoft.com/office/2006/metadata/contentType" xmlns:ma="http://schemas.microsoft.com/office/2006/metadata/properties/metaAttributes" ct:_="" ma:_="" ma:contentTypeName="Document" ma:contentTypeID="0x01010079F111ED35F8CC479449609E8A0923A6" ma:contentTypeVersion="11" ma:contentTypeDescription="Create a new document." ma:contentTypeScope="" ma:versionID="96291512c1ee715ab617f4c07df79fc1">
   <xsd:schema xmlns:xsd="http://www.w3.org/2001/XMLSchema" xmlns:xs="http://www.w3.org/2001/XMLSchema" xmlns:p="http://schemas.microsoft.com/office/2006/metadata/properties" xmlns:ns2="71af3243-3dd4-4a8d-8c0d-dd76da1f02a5" xmlns:ns3="16c05727-aa75-4e4a-9b5f-8a80a1165891" targetNamespace="http://schemas.microsoft.com/office/2006/metadata/properties" ma:root="true" ma:fieldsID="8256c27c40ca5c40ce1cf6c44f0205df" ns2:_="" ns3:_="">
     <xsd:import namespace="71af3243-3dd4-4a8d-8c0d-dd76da1f02a5"/>
@@ -11061,14 +9990,6 @@
 </ct:contentTypeSchema>
 </file>
 
-<file path=customXml/item2.xml><?xml version="1.0" encoding="utf-8"?>
-<p:properties xmlns:p="http://schemas.microsoft.com/office/2006/metadata/properties" xmlns:xsi="http://www.w3.org/2001/XMLSchema-instance" xmlns:pc="http://schemas.microsoft.com/office/infopath/2007/PartnerControls">
-  <documentManagement>
-    <MediaServiceKeyPoints xmlns="71af3243-3dd4-4a8d-8c0d-dd76da1f02a5" xsi:nil="true"/>
-  </documentManagement>
-</p:properties>
-</file>
-
 <file path=customXml/item3.xml><?xml version="1.0" encoding="utf-8"?>
 <?mso-contentType ?>
 <FormTemplates xmlns="http://schemas.microsoft.com/sharepoint/v3/contenttype/forms">
@@ -11079,6 +10000,16 @@
 </file>
 
 <file path=customXml/itemProps1.xml><?xml version="1.0" encoding="utf-8"?>
+<ds:datastoreItem xmlns:ds="http://schemas.openxmlformats.org/officeDocument/2006/customXml" ds:itemID="{E7866CFD-F94E-4AE5-ACEA-86FEC0F48A10}">
+  <ds:schemaRefs>
+    <ds:schemaRef ds:uri="http://schemas.microsoft.com/office/2006/metadata/properties"/>
+    <ds:schemaRef ds:uri="http://schemas.microsoft.com/office/infopath/2007/PartnerControls"/>
+    <ds:schemaRef ds:uri="71af3243-3dd4-4a8d-8c0d-dd76da1f02a5"/>
+  </ds:schemaRefs>
+</ds:datastoreItem>
+</file>
+
+<file path=customXml/itemProps2.xml><?xml version="1.0" encoding="utf-8"?>
 <ds:datastoreItem xmlns:ds="http://schemas.openxmlformats.org/officeDocument/2006/customXml" ds:itemID="{A7C0B241-13E5-418D-8920-D23491E2D2C0}">
   <ds:schemaRefs>
     <ds:schemaRef ds:uri="http://schemas.microsoft.com/office/2006/metadata/contentType"/>
@@ -11097,16 +10028,6 @@
 </ds:datastoreItem>
 </file>
 
-<file path=customXml/itemProps2.xml><?xml version="1.0" encoding="utf-8"?>
-<ds:datastoreItem xmlns:ds="http://schemas.openxmlformats.org/officeDocument/2006/customXml" ds:itemID="{E7866CFD-F94E-4AE5-ACEA-86FEC0F48A10}">
-  <ds:schemaRefs>
-    <ds:schemaRef ds:uri="http://schemas.microsoft.com/office/2006/metadata/properties"/>
-    <ds:schemaRef ds:uri="http://schemas.microsoft.com/office/infopath/2007/PartnerControls"/>
-    <ds:schemaRef ds:uri="71af3243-3dd4-4a8d-8c0d-dd76da1f02a5"/>
-  </ds:schemaRefs>
-</ds:datastoreItem>
-</file>
-
 <file path=customXml/itemProps3.xml><?xml version="1.0" encoding="utf-8"?>
 <ds:datastoreItem xmlns:ds="http://schemas.openxmlformats.org/officeDocument/2006/customXml" ds:itemID="{B579702B-25C7-40D7-9E29-7686B11A9660}">
   <ds:schemaRefs>
